--- a/docs/diagrams/LogicComponentSequenceDiagram.pptx
+++ b/docs/diagrams/LogicComponentSequenceDiagram.pptx
@@ -212,7 +212,7 @@
           <a:p>
             <a:fld id="{F5CC4B3F-88C1-4FFA-B1B6-F41C21DC6924}" type="datetimeFigureOut">
               <a:rPr lang="en-US" smtClean="0"/>
-              <a:t>7/11/2017</a:t>
+              <a:t>9/28/2018</a:t>
             </a:fld>
             <a:endParaRPr lang="en-US"/>
           </a:p>
@@ -658,7 +658,7 @@
           <a:p>
             <a:fld id="{78C97017-6FC3-485B-9764-EAC9E56C1D49}" type="datetimeFigureOut">
               <a:rPr lang="en-US" smtClean="0"/>
-              <a:t>7/11/2017</a:t>
+              <a:t>9/28/2018</a:t>
             </a:fld>
             <a:endParaRPr lang="en-US"/>
           </a:p>
@@ -826,7 +826,7 @@
           <a:p>
             <a:fld id="{78C97017-6FC3-485B-9764-EAC9E56C1D49}" type="datetimeFigureOut">
               <a:rPr lang="en-US" smtClean="0"/>
-              <a:t>7/11/2017</a:t>
+              <a:t>9/28/2018</a:t>
             </a:fld>
             <a:endParaRPr lang="en-US"/>
           </a:p>
@@ -1004,7 +1004,7 @@
           <a:p>
             <a:fld id="{78C97017-6FC3-485B-9764-EAC9E56C1D49}" type="datetimeFigureOut">
               <a:rPr lang="en-US" smtClean="0"/>
-              <a:t>7/11/2017</a:t>
+              <a:t>9/28/2018</a:t>
             </a:fld>
             <a:endParaRPr lang="en-US"/>
           </a:p>
@@ -1172,7 +1172,7 @@
           <a:p>
             <a:fld id="{78C97017-6FC3-485B-9764-EAC9E56C1D49}" type="datetimeFigureOut">
               <a:rPr lang="en-US" smtClean="0"/>
-              <a:t>7/11/2017</a:t>
+              <a:t>9/28/2018</a:t>
             </a:fld>
             <a:endParaRPr lang="en-US"/>
           </a:p>
@@ -1417,7 +1417,7 @@
           <a:p>
             <a:fld id="{78C97017-6FC3-485B-9764-EAC9E56C1D49}" type="datetimeFigureOut">
               <a:rPr lang="en-US" smtClean="0"/>
-              <a:t>7/11/2017</a:t>
+              <a:t>9/28/2018</a:t>
             </a:fld>
             <a:endParaRPr lang="en-US"/>
           </a:p>
@@ -1702,7 +1702,7 @@
           <a:p>
             <a:fld id="{78C97017-6FC3-485B-9764-EAC9E56C1D49}" type="datetimeFigureOut">
               <a:rPr lang="en-US" smtClean="0"/>
-              <a:t>7/11/2017</a:t>
+              <a:t>9/28/2018</a:t>
             </a:fld>
             <a:endParaRPr lang="en-US"/>
           </a:p>
@@ -2121,7 +2121,7 @@
           <a:p>
             <a:fld id="{78C97017-6FC3-485B-9764-EAC9E56C1D49}" type="datetimeFigureOut">
               <a:rPr lang="en-US" smtClean="0"/>
-              <a:t>7/11/2017</a:t>
+              <a:t>9/28/2018</a:t>
             </a:fld>
             <a:endParaRPr lang="en-US"/>
           </a:p>
@@ -2238,7 +2238,7 @@
           <a:p>
             <a:fld id="{78C97017-6FC3-485B-9764-EAC9E56C1D49}" type="datetimeFigureOut">
               <a:rPr lang="en-US" smtClean="0"/>
-              <a:t>7/11/2017</a:t>
+              <a:t>9/28/2018</a:t>
             </a:fld>
             <a:endParaRPr lang="en-US"/>
           </a:p>
@@ -2333,7 +2333,7 @@
           <a:p>
             <a:fld id="{78C97017-6FC3-485B-9764-EAC9E56C1D49}" type="datetimeFigureOut">
               <a:rPr lang="en-US" smtClean="0"/>
-              <a:t>7/11/2017</a:t>
+              <a:t>9/28/2018</a:t>
             </a:fld>
             <a:endParaRPr lang="en-US"/>
           </a:p>
@@ -2608,7 +2608,7 @@
           <a:p>
             <a:fld id="{78C97017-6FC3-485B-9764-EAC9E56C1D49}" type="datetimeFigureOut">
               <a:rPr lang="en-US" smtClean="0"/>
-              <a:t>7/11/2017</a:t>
+              <a:t>9/28/2018</a:t>
             </a:fld>
             <a:endParaRPr lang="en-US"/>
           </a:p>
@@ -2860,7 +2860,7 @@
           <a:p>
             <a:fld id="{78C97017-6FC3-485B-9764-EAC9E56C1D49}" type="datetimeFigureOut">
               <a:rPr lang="en-US" smtClean="0"/>
-              <a:t>7/11/2017</a:t>
+              <a:t>9/28/2018</a:t>
             </a:fld>
             <a:endParaRPr lang="en-US"/>
           </a:p>
@@ -3071,7 +3071,7 @@
           <a:p>
             <a:fld id="{78C97017-6FC3-485B-9764-EAC9E56C1D49}" type="datetimeFigureOut">
               <a:rPr lang="en-US" smtClean="0"/>
-              <a:t>7/11/2017</a:t>
+              <a:t>9/28/2018</a:t>
             </a:fld>
             <a:endParaRPr lang="en-US"/>
           </a:p>
@@ -4056,8 +4056,8 @@
         </p:nvSpPr>
         <p:spPr>
           <a:xfrm>
-            <a:off x="0" y="2743200"/>
-            <a:ext cx="1424846" cy="215444"/>
+            <a:off x="0" y="2819400"/>
+            <a:ext cx="1424846" cy="430887"/>
           </a:xfrm>
           <a:prstGeom prst="rect">
             <a:avLst/>
@@ -4077,7 +4077,39 @@
                   <a:srgbClr val="0070C0"/>
                 </a:solidFill>
               </a:rPr>
-              <a:t>execute(“delete 1”)</a:t>
+              <a:t>execute(“delete </a:t>
+            </a:r>
+            <a:r>
+              <a:rPr lang="en-US" sz="1400" dirty="0" smtClean="0">
+                <a:solidFill>
+                  <a:srgbClr val="0070C0"/>
+                </a:solidFill>
+              </a:rPr>
+              <a:t>m/CS2113 </a:t>
+            </a:r>
+            <a:r>
+              <a:rPr lang="en-US" sz="1400" dirty="0" err="1" smtClean="0">
+                <a:solidFill>
+                  <a:srgbClr val="0070C0"/>
+                </a:solidFill>
+              </a:rPr>
+              <a:t>i</a:t>
+            </a:r>
+            <a:r>
+              <a:rPr lang="en-US" sz="1400" dirty="0" smtClean="0">
+                <a:solidFill>
+                  <a:srgbClr val="0070C0"/>
+                </a:solidFill>
+              </a:rPr>
+              <a:t>/1</a:t>
+            </a:r>
+            <a:r>
+              <a:rPr lang="en-US" sz="1400" dirty="0">
+                <a:solidFill>
+                  <a:srgbClr val="0070C0"/>
+                </a:solidFill>
+              </a:rPr>
+              <a:t>”)</a:t>
             </a:r>
           </a:p>
         </p:txBody>
@@ -4666,21 +4698,42 @@
           </a:lstStyle>
           <a:p>
             <a:r>
-              <a:rPr lang="en-US" dirty="0" err="1">
+              <a:rPr lang="en-US" dirty="0" err="1" smtClean="0">
                 <a:solidFill>
                   <a:srgbClr val="7030A0"/>
                 </a:solidFill>
               </a:rPr>
-              <a:t>deletePerson</a:t>
-            </a:r>
-            <a:r>
-              <a:rPr lang="en-US" dirty="0">
+              <a:t>deleteThread</a:t>
+            </a:r>
+            <a:r>
+              <a:rPr lang="en-US" dirty="0" smtClean="0">
                 <a:solidFill>
                   <a:srgbClr val="7030A0"/>
                 </a:solidFill>
               </a:rPr>
-              <a:t>(p)</a:t>
-            </a:r>
+              <a:t>(m, </a:t>
+            </a:r>
+            <a:r>
+              <a:rPr lang="en-US" dirty="0" err="1" smtClean="0">
+                <a:solidFill>
+                  <a:srgbClr val="7030A0"/>
+                </a:solidFill>
+              </a:rPr>
+              <a:t>i</a:t>
+            </a:r>
+            <a:r>
+              <a:rPr lang="en-US" dirty="0" smtClean="0">
+                <a:solidFill>
+                  <a:srgbClr val="7030A0"/>
+                </a:solidFill>
+              </a:rPr>
+              <a:t>)</a:t>
+            </a:r>
+            <a:endParaRPr lang="en-US" dirty="0">
+              <a:solidFill>
+                <a:srgbClr val="7030A0"/>
+              </a:solidFill>
+            </a:endParaRPr>
           </a:p>
         </p:txBody>
       </p:sp>
@@ -4693,7 +4746,7 @@
         <p:spPr>
           <a:xfrm>
             <a:off x="3847551" y="3657600"/>
-            <a:ext cx="767033" cy="184666"/>
+            <a:ext cx="1154345" cy="369332"/>
           </a:xfrm>
           <a:prstGeom prst="rect">
             <a:avLst/>
@@ -4719,7 +4772,23 @@
           <a:p>
             <a:r>
               <a:rPr lang="en-US" sz="1200" dirty="0"/>
-              <a:t>parse(“1”)</a:t>
+              <a:t>parse</a:t>
+            </a:r>
+            <a:r>
+              <a:rPr lang="en-US" sz="1200" dirty="0" smtClean="0"/>
+              <a:t>(“m/CS2113 </a:t>
+            </a:r>
+            <a:r>
+              <a:rPr lang="en-US" sz="1200" dirty="0" err="1" smtClean="0"/>
+              <a:t>i</a:t>
+            </a:r>
+            <a:r>
+              <a:rPr lang="en-US" sz="1200" dirty="0" smtClean="0"/>
+              <a:t>/1</a:t>
+            </a:r>
+            <a:r>
+              <a:rPr lang="en-US" sz="1200" dirty="0"/>
+              <a:t>”)</a:t>
             </a:r>
           </a:p>
         </p:txBody>
@@ -4732,8 +4801,8 @@
         </p:nvSpPr>
         <p:spPr>
           <a:xfrm>
-            <a:off x="1742982" y="2850922"/>
-            <a:ext cx="1424846" cy="215444"/>
+            <a:off x="1742981" y="2895600"/>
+            <a:ext cx="1438689" cy="430887"/>
           </a:xfrm>
           <a:prstGeom prst="rect">
             <a:avLst/>
@@ -4759,8 +4828,29 @@
           <a:p>
             <a:r>
               <a:rPr lang="en-US" dirty="0"/>
-              <a:t>parse(“delete 1”)</a:t>
-            </a:r>
+              <a:t>parse</a:t>
+            </a:r>
+            <a:r>
+              <a:rPr lang="en-US" dirty="0" smtClean="0"/>
+              <a:t>(“</a:t>
+            </a:r>
+            <a:r>
+              <a:rPr lang="en-US" dirty="0"/>
+              <a:t>delete m/CS2113 </a:t>
+            </a:r>
+            <a:r>
+              <a:rPr lang="en-US" dirty="0" err="1"/>
+              <a:t>i</a:t>
+            </a:r>
+            <a:r>
+              <a:rPr lang="en-US" dirty="0"/>
+              <a:t>/1</a:t>
+            </a:r>
+            <a:r>
+              <a:rPr lang="en-US" dirty="0" smtClean="0"/>
+              <a:t>”)</a:t>
+            </a:r>
+            <a:endParaRPr lang="en-US" dirty="0"/>
           </a:p>
         </p:txBody>
       </p:sp>
@@ -5475,6 +5565,13 @@
   <p:clrMapOvr>
     <a:masterClrMapping/>
   </p:clrMapOvr>
+  <p:timing>
+    <p:tnLst>
+      <p:par>
+        <p:cTn id="1" dur="indefinite" restart="never" nodeType="tmRoot"/>
+      </p:par>
+    </p:tnLst>
+  </p:timing>
 </p:sld>
 </file>
 

--- a/docs/diagrams/LogicComponentSequenceDiagram.pptx
+++ b/docs/diagrams/LogicComponentSequenceDiagram.pptx
@@ -126,10 +126,6 @@
 </p:presentation>
 </file>
 
-<file path=ppt/revisionInfo.xml><?xml version="1.0" encoding="utf-8"?>
-<p1510:revInfo xmlns:a="http://schemas.openxmlformats.org/drawingml/2006/main" xmlns:r="http://schemas.openxmlformats.org/officeDocument/2006/relationships" xmlns:p1510="http://schemas.microsoft.com/office/powerpoint/2015/10/main"/>
-</file>
-
 <file path=ppt/notesMasters/notesMaster1.xml><?xml version="1.0" encoding="utf-8"?>
 <p:notesMaster xmlns:a="http://schemas.openxmlformats.org/drawingml/2006/main" xmlns:r="http://schemas.openxmlformats.org/officeDocument/2006/relationships" xmlns:p="http://schemas.openxmlformats.org/presentationml/2006/main">
   <p:cSld>
@@ -212,7 +208,7 @@
           <a:p>
             <a:fld id="{F5CC4B3F-88C1-4FFA-B1B6-F41C21DC6924}" type="datetimeFigureOut">
               <a:rPr lang="en-US" smtClean="0"/>
-              <a:t>7/11/2017</a:t>
+              <a:t>10/21/2018</a:t>
             </a:fld>
             <a:endParaRPr lang="en-US"/>
           </a:p>
@@ -658,7 +654,7 @@
           <a:p>
             <a:fld id="{78C97017-6FC3-485B-9764-EAC9E56C1D49}" type="datetimeFigureOut">
               <a:rPr lang="en-US" smtClean="0"/>
-              <a:t>7/11/2017</a:t>
+              <a:t>10/21/2018</a:t>
             </a:fld>
             <a:endParaRPr lang="en-US"/>
           </a:p>
@@ -826,7 +822,7 @@
           <a:p>
             <a:fld id="{78C97017-6FC3-485B-9764-EAC9E56C1D49}" type="datetimeFigureOut">
               <a:rPr lang="en-US" smtClean="0"/>
-              <a:t>7/11/2017</a:t>
+              <a:t>10/21/2018</a:t>
             </a:fld>
             <a:endParaRPr lang="en-US"/>
           </a:p>
@@ -1004,7 +1000,7 @@
           <a:p>
             <a:fld id="{78C97017-6FC3-485B-9764-EAC9E56C1D49}" type="datetimeFigureOut">
               <a:rPr lang="en-US" smtClean="0"/>
-              <a:t>7/11/2017</a:t>
+              <a:t>10/21/2018</a:t>
             </a:fld>
             <a:endParaRPr lang="en-US"/>
           </a:p>
@@ -1172,7 +1168,7 @@
           <a:p>
             <a:fld id="{78C97017-6FC3-485B-9764-EAC9E56C1D49}" type="datetimeFigureOut">
               <a:rPr lang="en-US" smtClean="0"/>
-              <a:t>7/11/2017</a:t>
+              <a:t>10/21/2018</a:t>
             </a:fld>
             <a:endParaRPr lang="en-US"/>
           </a:p>
@@ -1417,7 +1413,7 @@
           <a:p>
             <a:fld id="{78C97017-6FC3-485B-9764-EAC9E56C1D49}" type="datetimeFigureOut">
               <a:rPr lang="en-US" smtClean="0"/>
-              <a:t>7/11/2017</a:t>
+              <a:t>10/21/2018</a:t>
             </a:fld>
             <a:endParaRPr lang="en-US"/>
           </a:p>
@@ -1702,7 +1698,7 @@
           <a:p>
             <a:fld id="{78C97017-6FC3-485B-9764-EAC9E56C1D49}" type="datetimeFigureOut">
               <a:rPr lang="en-US" smtClean="0"/>
-              <a:t>7/11/2017</a:t>
+              <a:t>10/21/2018</a:t>
             </a:fld>
             <a:endParaRPr lang="en-US"/>
           </a:p>
@@ -2121,7 +2117,7 @@
           <a:p>
             <a:fld id="{78C97017-6FC3-485B-9764-EAC9E56C1D49}" type="datetimeFigureOut">
               <a:rPr lang="en-US" smtClean="0"/>
-              <a:t>7/11/2017</a:t>
+              <a:t>10/21/2018</a:t>
             </a:fld>
             <a:endParaRPr lang="en-US"/>
           </a:p>
@@ -2238,7 +2234,7 @@
           <a:p>
             <a:fld id="{78C97017-6FC3-485B-9764-EAC9E56C1D49}" type="datetimeFigureOut">
               <a:rPr lang="en-US" smtClean="0"/>
-              <a:t>7/11/2017</a:t>
+              <a:t>10/21/2018</a:t>
             </a:fld>
             <a:endParaRPr lang="en-US"/>
           </a:p>
@@ -2333,7 +2329,7 @@
           <a:p>
             <a:fld id="{78C97017-6FC3-485B-9764-EAC9E56C1D49}" type="datetimeFigureOut">
               <a:rPr lang="en-US" smtClean="0"/>
-              <a:t>7/11/2017</a:t>
+              <a:t>10/21/2018</a:t>
             </a:fld>
             <a:endParaRPr lang="en-US"/>
           </a:p>
@@ -2608,7 +2604,7 @@
           <a:p>
             <a:fld id="{78C97017-6FC3-485B-9764-EAC9E56C1D49}" type="datetimeFigureOut">
               <a:rPr lang="en-US" smtClean="0"/>
-              <a:t>7/11/2017</a:t>
+              <a:t>10/21/2018</a:t>
             </a:fld>
             <a:endParaRPr lang="en-US"/>
           </a:p>
@@ -2860,7 +2856,7 @@
           <a:p>
             <a:fld id="{78C97017-6FC3-485B-9764-EAC9E56C1D49}" type="datetimeFigureOut">
               <a:rPr lang="en-US" smtClean="0"/>
-              <a:t>7/11/2017</a:t>
+              <a:t>10/21/2018</a:t>
             </a:fld>
             <a:endParaRPr lang="en-US"/>
           </a:p>
@@ -3071,7 +3067,7 @@
           <a:p>
             <a:fld id="{78C97017-6FC3-485B-9764-EAC9E56C1D49}" type="datetimeFigureOut">
               <a:rPr lang="en-US" smtClean="0"/>
-              <a:t>7/11/2017</a:t>
+              <a:t>10/21/2018</a:t>
             </a:fld>
             <a:endParaRPr lang="en-US"/>
           </a:p>
@@ -3666,8 +3662,8 @@
         </p:nvSpPr>
         <p:spPr>
           <a:xfrm>
-            <a:off x="2743200" y="2179309"/>
-            <a:ext cx="1219200" cy="467684"/>
+            <a:off x="2627814" y="2179309"/>
+            <a:ext cx="1596505" cy="467684"/>
           </a:xfrm>
           <a:prstGeom prst="rect">
             <a:avLst/>
@@ -3707,18 +3703,15 @@
                   <a:schemeClr val="bg1"/>
                 </a:solidFill>
               </a:rPr>
-              <a:t>:Address</a:t>
-            </a:r>
-          </a:p>
-          <a:p>
-            <a:pPr algn="ctr"/>
+              <a:t>:</a:t>
+            </a:r>
             <a:r>
               <a:rPr lang="en-US" sz="1600" dirty="0" err="1">
                 <a:solidFill>
                   <a:schemeClr val="bg1"/>
                 </a:solidFill>
               </a:rPr>
-              <a:t>BookParser</a:t>
+              <a:t>TaskBookParser</a:t>
             </a:r>
             <a:endParaRPr lang="en-SG" sz="1600" dirty="0">
               <a:solidFill>
@@ -4671,16 +4664,21 @@
                   <a:srgbClr val="7030A0"/>
                 </a:solidFill>
               </a:rPr>
-              <a:t>deletePerson</a:t>
-            </a:r>
-            <a:r>
-              <a:rPr lang="en-US" dirty="0">
+              <a:t>deleteTask</a:t>
+            </a:r>
+            <a:r>
+              <a:rPr lang="en-US">
                 <a:solidFill>
                   <a:srgbClr val="7030A0"/>
                 </a:solidFill>
               </a:rPr>
-              <a:t>(p)</a:t>
-            </a:r>
+              <a:t>(t)</a:t>
+            </a:r>
+            <a:endParaRPr lang="en-US" dirty="0">
+              <a:solidFill>
+                <a:srgbClr val="7030A0"/>
+              </a:solidFill>
+            </a:endParaRPr>
           </a:p>
         </p:txBody>
       </p:sp>

--- a/docs/diagrams/LogicComponentSequenceDiagram.pptx
+++ b/docs/diagrams/LogicComponentSequenceDiagram.pptx
@@ -126,10 +126,6 @@
 </p:presentation>
 </file>
 
-<file path=ppt/revisionInfo.xml><?xml version="1.0" encoding="utf-8"?>
-<p1510:revInfo xmlns:a="http://schemas.openxmlformats.org/drawingml/2006/main" xmlns:r="http://schemas.openxmlformats.org/officeDocument/2006/relationships" xmlns:p1510="http://schemas.microsoft.com/office/powerpoint/2015/10/main"/>
-</file>
-
 <file path=ppt/notesMasters/notesMaster1.xml><?xml version="1.0" encoding="utf-8"?>
 <p:notesMaster xmlns:a="http://schemas.openxmlformats.org/drawingml/2006/main" xmlns:r="http://schemas.openxmlformats.org/officeDocument/2006/relationships" xmlns:p="http://schemas.openxmlformats.org/presentationml/2006/main">
   <p:cSld>
@@ -212,7 +208,7 @@
           <a:p>
             <a:fld id="{F5CC4B3F-88C1-4FFA-B1B6-F41C21DC6924}" type="datetimeFigureOut">
               <a:rPr lang="en-US" smtClean="0"/>
-              <a:t>7/11/2017</a:t>
+              <a:t>11/2/18</a:t>
             </a:fld>
             <a:endParaRPr lang="en-US"/>
           </a:p>
@@ -658,7 +654,7 @@
           <a:p>
             <a:fld id="{78C97017-6FC3-485B-9764-EAC9E56C1D49}" type="datetimeFigureOut">
               <a:rPr lang="en-US" smtClean="0"/>
-              <a:t>7/11/2017</a:t>
+              <a:t>11/2/18</a:t>
             </a:fld>
             <a:endParaRPr lang="en-US"/>
           </a:p>
@@ -826,7 +822,7 @@
           <a:p>
             <a:fld id="{78C97017-6FC3-485B-9764-EAC9E56C1D49}" type="datetimeFigureOut">
               <a:rPr lang="en-US" smtClean="0"/>
-              <a:t>7/11/2017</a:t>
+              <a:t>11/2/18</a:t>
             </a:fld>
             <a:endParaRPr lang="en-US"/>
           </a:p>
@@ -1004,7 +1000,7 @@
           <a:p>
             <a:fld id="{78C97017-6FC3-485B-9764-EAC9E56C1D49}" type="datetimeFigureOut">
               <a:rPr lang="en-US" smtClean="0"/>
-              <a:t>7/11/2017</a:t>
+              <a:t>11/2/18</a:t>
             </a:fld>
             <a:endParaRPr lang="en-US"/>
           </a:p>
@@ -1172,7 +1168,7 @@
           <a:p>
             <a:fld id="{78C97017-6FC3-485B-9764-EAC9E56C1D49}" type="datetimeFigureOut">
               <a:rPr lang="en-US" smtClean="0"/>
-              <a:t>7/11/2017</a:t>
+              <a:t>11/2/18</a:t>
             </a:fld>
             <a:endParaRPr lang="en-US"/>
           </a:p>
@@ -1417,7 +1413,7 @@
           <a:p>
             <a:fld id="{78C97017-6FC3-485B-9764-EAC9E56C1D49}" type="datetimeFigureOut">
               <a:rPr lang="en-US" smtClean="0"/>
-              <a:t>7/11/2017</a:t>
+              <a:t>11/2/18</a:t>
             </a:fld>
             <a:endParaRPr lang="en-US"/>
           </a:p>
@@ -1702,7 +1698,7 @@
           <a:p>
             <a:fld id="{78C97017-6FC3-485B-9764-EAC9E56C1D49}" type="datetimeFigureOut">
               <a:rPr lang="en-US" smtClean="0"/>
-              <a:t>7/11/2017</a:t>
+              <a:t>11/2/18</a:t>
             </a:fld>
             <a:endParaRPr lang="en-US"/>
           </a:p>
@@ -2121,7 +2117,7 @@
           <a:p>
             <a:fld id="{78C97017-6FC3-485B-9764-EAC9E56C1D49}" type="datetimeFigureOut">
               <a:rPr lang="en-US" smtClean="0"/>
-              <a:t>7/11/2017</a:t>
+              <a:t>11/2/18</a:t>
             </a:fld>
             <a:endParaRPr lang="en-US"/>
           </a:p>
@@ -2238,7 +2234,7 @@
           <a:p>
             <a:fld id="{78C97017-6FC3-485B-9764-EAC9E56C1D49}" type="datetimeFigureOut">
               <a:rPr lang="en-US" smtClean="0"/>
-              <a:t>7/11/2017</a:t>
+              <a:t>11/2/18</a:t>
             </a:fld>
             <a:endParaRPr lang="en-US"/>
           </a:p>
@@ -2333,7 +2329,7 @@
           <a:p>
             <a:fld id="{78C97017-6FC3-485B-9764-EAC9E56C1D49}" type="datetimeFigureOut">
               <a:rPr lang="en-US" smtClean="0"/>
-              <a:t>7/11/2017</a:t>
+              <a:t>11/2/18</a:t>
             </a:fld>
             <a:endParaRPr lang="en-US"/>
           </a:p>
@@ -2608,7 +2604,7 @@
           <a:p>
             <a:fld id="{78C97017-6FC3-485B-9764-EAC9E56C1D49}" type="datetimeFigureOut">
               <a:rPr lang="en-US" smtClean="0"/>
-              <a:t>7/11/2017</a:t>
+              <a:t>11/2/18</a:t>
             </a:fld>
             <a:endParaRPr lang="en-US"/>
           </a:p>
@@ -2860,7 +2856,7 @@
           <a:p>
             <a:fld id="{78C97017-6FC3-485B-9764-EAC9E56C1D49}" type="datetimeFigureOut">
               <a:rPr lang="en-US" smtClean="0"/>
-              <a:t>7/11/2017</a:t>
+              <a:t>11/2/18</a:t>
             </a:fld>
             <a:endParaRPr lang="en-US"/>
           </a:p>
@@ -3071,7 +3067,7 @@
           <a:p>
             <a:fld id="{78C97017-6FC3-485B-9764-EAC9E56C1D49}" type="datetimeFigureOut">
               <a:rPr lang="en-US" smtClean="0"/>
-              <a:t>7/11/2017</a:t>
+              <a:t>11/2/18</a:t>
             </a:fld>
             <a:endParaRPr lang="en-US"/>
           </a:p>
@@ -3702,25 +3698,38 @@
           <a:p>
             <a:pPr algn="ctr"/>
             <a:r>
-              <a:rPr lang="en-US" sz="1600" dirty="0">
+              <a:rPr lang="en-US" sz="1200" dirty="0">
                 <a:solidFill>
                   <a:schemeClr val="bg1"/>
                 </a:solidFill>
               </a:rPr>
-              <a:t>:Address</a:t>
-            </a:r>
+              <a:t>:</a:t>
+            </a:r>
+            <a:r>
+              <a:rPr lang="en-US" sz="1200" dirty="0" err="1">
+                <a:solidFill>
+                  <a:schemeClr val="bg1"/>
+                </a:solidFill>
+              </a:rPr>
+              <a:t>EventManager</a:t>
+            </a:r>
+            <a:endParaRPr lang="en-US" sz="1200" dirty="0">
+              <a:solidFill>
+                <a:schemeClr val="bg1"/>
+              </a:solidFill>
+            </a:endParaRPr>
           </a:p>
           <a:p>
             <a:pPr algn="ctr"/>
             <a:r>
-              <a:rPr lang="en-US" sz="1600" dirty="0" err="1">
+              <a:rPr lang="en-US" sz="1200" dirty="0" err="1">
                 <a:solidFill>
                   <a:schemeClr val="bg1"/>
                 </a:solidFill>
               </a:rPr>
               <a:t>BookParser</a:t>
             </a:r>
-            <a:endParaRPr lang="en-SG" sz="1600" dirty="0">
+            <a:endParaRPr lang="en-SG" sz="1200" dirty="0">
               <a:solidFill>
                 <a:schemeClr val="bg1"/>
               </a:solidFill>
@@ -4671,7 +4680,7 @@
                   <a:srgbClr val="7030A0"/>
                 </a:solidFill>
               </a:rPr>
-              <a:t>deletePerson</a:t>
+              <a:t>deleteEvent</a:t>
             </a:r>
             <a:r>
               <a:rPr lang="en-US" dirty="0">
@@ -4679,7 +4688,7 @@
                   <a:srgbClr val="7030A0"/>
                 </a:solidFill>
               </a:rPr>
-              <a:t>(p)</a:t>
+              <a:t>(e)</a:t>
             </a:r>
           </a:p>
         </p:txBody>

--- a/docs/diagrams/LogicComponentSequenceDiagram.pptx
+++ b/docs/diagrams/LogicComponentSequenceDiagram.pptx
@@ -126,10 +126,6 @@
 </p:presentation>
 </file>
 
-<file path=ppt/revisionInfo.xml><?xml version="1.0" encoding="utf-8"?>
-<p1510:revInfo xmlns:a="http://schemas.openxmlformats.org/drawingml/2006/main" xmlns:r="http://schemas.openxmlformats.org/officeDocument/2006/relationships" xmlns:p1510="http://schemas.microsoft.com/office/powerpoint/2015/10/main"/>
-</file>
-
 <file path=ppt/notesMasters/notesMaster1.xml><?xml version="1.0" encoding="utf-8"?>
 <p:notesMaster xmlns:a="http://schemas.openxmlformats.org/drawingml/2006/main" xmlns:r="http://schemas.openxmlformats.org/officeDocument/2006/relationships" xmlns:p="http://schemas.openxmlformats.org/presentationml/2006/main">
   <p:cSld>
@@ -212,7 +208,7 @@
           <a:p>
             <a:fld id="{F5CC4B3F-88C1-4FFA-B1B6-F41C21DC6924}" type="datetimeFigureOut">
               <a:rPr lang="en-US" smtClean="0"/>
-              <a:t>7/11/2017</a:t>
+              <a:t>11/10/2018</a:t>
             </a:fld>
             <a:endParaRPr lang="en-US"/>
           </a:p>
@@ -658,7 +654,7 @@
           <a:p>
             <a:fld id="{78C97017-6FC3-485B-9764-EAC9E56C1D49}" type="datetimeFigureOut">
               <a:rPr lang="en-US" smtClean="0"/>
-              <a:t>7/11/2017</a:t>
+              <a:t>11/10/2018</a:t>
             </a:fld>
             <a:endParaRPr lang="en-US"/>
           </a:p>
@@ -826,7 +822,7 @@
           <a:p>
             <a:fld id="{78C97017-6FC3-485B-9764-EAC9E56C1D49}" type="datetimeFigureOut">
               <a:rPr lang="en-US" smtClean="0"/>
-              <a:t>7/11/2017</a:t>
+              <a:t>11/10/2018</a:t>
             </a:fld>
             <a:endParaRPr lang="en-US"/>
           </a:p>
@@ -1004,7 +1000,7 @@
           <a:p>
             <a:fld id="{78C97017-6FC3-485B-9764-EAC9E56C1D49}" type="datetimeFigureOut">
               <a:rPr lang="en-US" smtClean="0"/>
-              <a:t>7/11/2017</a:t>
+              <a:t>11/10/2018</a:t>
             </a:fld>
             <a:endParaRPr lang="en-US"/>
           </a:p>
@@ -1172,7 +1168,7 @@
           <a:p>
             <a:fld id="{78C97017-6FC3-485B-9764-EAC9E56C1D49}" type="datetimeFigureOut">
               <a:rPr lang="en-US" smtClean="0"/>
-              <a:t>7/11/2017</a:t>
+              <a:t>11/10/2018</a:t>
             </a:fld>
             <a:endParaRPr lang="en-US"/>
           </a:p>
@@ -1417,7 +1413,7 @@
           <a:p>
             <a:fld id="{78C97017-6FC3-485B-9764-EAC9E56C1D49}" type="datetimeFigureOut">
               <a:rPr lang="en-US" smtClean="0"/>
-              <a:t>7/11/2017</a:t>
+              <a:t>11/10/2018</a:t>
             </a:fld>
             <a:endParaRPr lang="en-US"/>
           </a:p>
@@ -1702,7 +1698,7 @@
           <a:p>
             <a:fld id="{78C97017-6FC3-485B-9764-EAC9E56C1D49}" type="datetimeFigureOut">
               <a:rPr lang="en-US" smtClean="0"/>
-              <a:t>7/11/2017</a:t>
+              <a:t>11/10/2018</a:t>
             </a:fld>
             <a:endParaRPr lang="en-US"/>
           </a:p>
@@ -2121,7 +2117,7 @@
           <a:p>
             <a:fld id="{78C97017-6FC3-485B-9764-EAC9E56C1D49}" type="datetimeFigureOut">
               <a:rPr lang="en-US" smtClean="0"/>
-              <a:t>7/11/2017</a:t>
+              <a:t>11/10/2018</a:t>
             </a:fld>
             <a:endParaRPr lang="en-US"/>
           </a:p>
@@ -2238,7 +2234,7 @@
           <a:p>
             <a:fld id="{78C97017-6FC3-485B-9764-EAC9E56C1D49}" type="datetimeFigureOut">
               <a:rPr lang="en-US" smtClean="0"/>
-              <a:t>7/11/2017</a:t>
+              <a:t>11/10/2018</a:t>
             </a:fld>
             <a:endParaRPr lang="en-US"/>
           </a:p>
@@ -2333,7 +2329,7 @@
           <a:p>
             <a:fld id="{78C97017-6FC3-485B-9764-EAC9E56C1D49}" type="datetimeFigureOut">
               <a:rPr lang="en-US" smtClean="0"/>
-              <a:t>7/11/2017</a:t>
+              <a:t>11/10/2018</a:t>
             </a:fld>
             <a:endParaRPr lang="en-US"/>
           </a:p>
@@ -2608,7 +2604,7 @@
           <a:p>
             <a:fld id="{78C97017-6FC3-485B-9764-EAC9E56C1D49}" type="datetimeFigureOut">
               <a:rPr lang="en-US" smtClean="0"/>
-              <a:t>7/11/2017</a:t>
+              <a:t>11/10/2018</a:t>
             </a:fld>
             <a:endParaRPr lang="en-US"/>
           </a:p>
@@ -2860,7 +2856,7 @@
           <a:p>
             <a:fld id="{78C97017-6FC3-485B-9764-EAC9E56C1D49}" type="datetimeFigureOut">
               <a:rPr lang="en-US" smtClean="0"/>
-              <a:t>7/11/2017</a:t>
+              <a:t>11/10/2018</a:t>
             </a:fld>
             <a:endParaRPr lang="en-US"/>
           </a:p>
@@ -3071,7 +3067,7 @@
           <a:p>
             <a:fld id="{78C97017-6FC3-485B-9764-EAC9E56C1D49}" type="datetimeFigureOut">
               <a:rPr lang="en-US" smtClean="0"/>
-              <a:t>7/11/2017</a:t>
+              <a:t>11/10/2018</a:t>
             </a:fld>
             <a:endParaRPr lang="en-US"/>
           </a:p>
@@ -3666,8 +3662,8 @@
         </p:nvSpPr>
         <p:spPr>
           <a:xfrm>
-            <a:off x="2743200" y="2179309"/>
-            <a:ext cx="1219200" cy="467684"/>
+            <a:off x="2571527" y="2179309"/>
+            <a:ext cx="1596514" cy="467684"/>
           </a:xfrm>
           <a:prstGeom prst="rect">
             <a:avLst/>
@@ -3707,18 +3703,15 @@
                   <a:schemeClr val="bg1"/>
                 </a:solidFill>
               </a:rPr>
-              <a:t>:Address</a:t>
-            </a:r>
-          </a:p>
-          <a:p>
-            <a:pPr algn="ctr"/>
+              <a:t>:</a:t>
+            </a:r>
             <a:r>
               <a:rPr lang="en-US" sz="1600" dirty="0" err="1">
                 <a:solidFill>
                   <a:schemeClr val="bg1"/>
                 </a:solidFill>
               </a:rPr>
-              <a:t>BookParser</a:t>
+              <a:t>FinancialPlannerParser</a:t>
             </a:r>
             <a:endParaRPr lang="en-SG" sz="1600" dirty="0">
               <a:solidFill>
@@ -4671,7 +4664,7 @@
                   <a:srgbClr val="7030A0"/>
                 </a:solidFill>
               </a:rPr>
-              <a:t>deletePerson</a:t>
+              <a:t>deleteRecord</a:t>
             </a:r>
             <a:r>
               <a:rPr lang="en-US" dirty="0">
@@ -4679,7 +4672,7 @@
                   <a:srgbClr val="7030A0"/>
                 </a:solidFill>
               </a:rPr>
-              <a:t>(p)</a:t>
+              <a:t>(d)</a:t>
             </a:r>
           </a:p>
         </p:txBody>

--- a/docs/diagrams/LogicComponentSequenceDiagram.pptx
+++ b/docs/diagrams/LogicComponentSequenceDiagram.pptx
@@ -126,10 +126,6 @@
 </p:presentation>
 </file>
 
-<file path=ppt/revisionInfo.xml><?xml version="1.0" encoding="utf-8"?>
-<p1510:revInfo xmlns:a="http://schemas.openxmlformats.org/drawingml/2006/main" xmlns:r="http://schemas.openxmlformats.org/officeDocument/2006/relationships" xmlns:p1510="http://schemas.microsoft.com/office/powerpoint/2015/10/main"/>
-</file>
-
 <file path=ppt/notesMasters/notesMaster1.xml><?xml version="1.0" encoding="utf-8"?>
 <p:notesMaster xmlns:a="http://schemas.openxmlformats.org/drawingml/2006/main" xmlns:r="http://schemas.openxmlformats.org/officeDocument/2006/relationships" xmlns:p="http://schemas.openxmlformats.org/presentationml/2006/main">
   <p:cSld>
@@ -212,7 +208,7 @@
           <a:p>
             <a:fld id="{F5CC4B3F-88C1-4FFA-B1B6-F41C21DC6924}" type="datetimeFigureOut">
               <a:rPr lang="en-US" smtClean="0"/>
-              <a:t>7/11/2017</a:t>
+              <a:t>11/11/18</a:t>
             </a:fld>
             <a:endParaRPr lang="en-US"/>
           </a:p>
@@ -658,7 +654,7 @@
           <a:p>
             <a:fld id="{78C97017-6FC3-485B-9764-EAC9E56C1D49}" type="datetimeFigureOut">
               <a:rPr lang="en-US" smtClean="0"/>
-              <a:t>7/11/2017</a:t>
+              <a:t>11/11/18</a:t>
             </a:fld>
             <a:endParaRPr lang="en-US"/>
           </a:p>
@@ -826,7 +822,7 @@
           <a:p>
             <a:fld id="{78C97017-6FC3-485B-9764-EAC9E56C1D49}" type="datetimeFigureOut">
               <a:rPr lang="en-US" smtClean="0"/>
-              <a:t>7/11/2017</a:t>
+              <a:t>11/11/18</a:t>
             </a:fld>
             <a:endParaRPr lang="en-US"/>
           </a:p>
@@ -1004,7 +1000,7 @@
           <a:p>
             <a:fld id="{78C97017-6FC3-485B-9764-EAC9E56C1D49}" type="datetimeFigureOut">
               <a:rPr lang="en-US" smtClean="0"/>
-              <a:t>7/11/2017</a:t>
+              <a:t>11/11/18</a:t>
             </a:fld>
             <a:endParaRPr lang="en-US"/>
           </a:p>
@@ -1172,7 +1168,7 @@
           <a:p>
             <a:fld id="{78C97017-6FC3-485B-9764-EAC9E56C1D49}" type="datetimeFigureOut">
               <a:rPr lang="en-US" smtClean="0"/>
-              <a:t>7/11/2017</a:t>
+              <a:t>11/11/18</a:t>
             </a:fld>
             <a:endParaRPr lang="en-US"/>
           </a:p>
@@ -1417,7 +1413,7 @@
           <a:p>
             <a:fld id="{78C97017-6FC3-485B-9764-EAC9E56C1D49}" type="datetimeFigureOut">
               <a:rPr lang="en-US" smtClean="0"/>
-              <a:t>7/11/2017</a:t>
+              <a:t>11/11/18</a:t>
             </a:fld>
             <a:endParaRPr lang="en-US"/>
           </a:p>
@@ -1702,7 +1698,7 @@
           <a:p>
             <a:fld id="{78C97017-6FC3-485B-9764-EAC9E56C1D49}" type="datetimeFigureOut">
               <a:rPr lang="en-US" smtClean="0"/>
-              <a:t>7/11/2017</a:t>
+              <a:t>11/11/18</a:t>
             </a:fld>
             <a:endParaRPr lang="en-US"/>
           </a:p>
@@ -2121,7 +2117,7 @@
           <a:p>
             <a:fld id="{78C97017-6FC3-485B-9764-EAC9E56C1D49}" type="datetimeFigureOut">
               <a:rPr lang="en-US" smtClean="0"/>
-              <a:t>7/11/2017</a:t>
+              <a:t>11/11/18</a:t>
             </a:fld>
             <a:endParaRPr lang="en-US"/>
           </a:p>
@@ -2238,7 +2234,7 @@
           <a:p>
             <a:fld id="{78C97017-6FC3-485B-9764-EAC9E56C1D49}" type="datetimeFigureOut">
               <a:rPr lang="en-US" smtClean="0"/>
-              <a:t>7/11/2017</a:t>
+              <a:t>11/11/18</a:t>
             </a:fld>
             <a:endParaRPr lang="en-US"/>
           </a:p>
@@ -2333,7 +2329,7 @@
           <a:p>
             <a:fld id="{78C97017-6FC3-485B-9764-EAC9E56C1D49}" type="datetimeFigureOut">
               <a:rPr lang="en-US" smtClean="0"/>
-              <a:t>7/11/2017</a:t>
+              <a:t>11/11/18</a:t>
             </a:fld>
             <a:endParaRPr lang="en-US"/>
           </a:p>
@@ -2608,7 +2604,7 @@
           <a:p>
             <a:fld id="{78C97017-6FC3-485B-9764-EAC9E56C1D49}" type="datetimeFigureOut">
               <a:rPr lang="en-US" smtClean="0"/>
-              <a:t>7/11/2017</a:t>
+              <a:t>11/11/18</a:t>
             </a:fld>
             <a:endParaRPr lang="en-US"/>
           </a:p>
@@ -2860,7 +2856,7 @@
           <a:p>
             <a:fld id="{78C97017-6FC3-485B-9764-EAC9E56C1D49}" type="datetimeFigureOut">
               <a:rPr lang="en-US" smtClean="0"/>
-              <a:t>7/11/2017</a:t>
+              <a:t>11/11/18</a:t>
             </a:fld>
             <a:endParaRPr lang="en-US"/>
           </a:p>
@@ -3071,7 +3067,7 @@
           <a:p>
             <a:fld id="{78C97017-6FC3-485B-9764-EAC9E56C1D49}" type="datetimeFigureOut">
               <a:rPr lang="en-US" smtClean="0"/>
-              <a:t>7/11/2017</a:t>
+              <a:t>11/11/18</a:t>
             </a:fld>
             <a:endParaRPr lang="en-US"/>
           </a:p>
@@ -3446,2025 +3442,42 @@
           <a:chExt cx="0" cy="0"/>
         </a:xfrm>
       </p:grpSpPr>
-      <p:sp>
-        <p:nvSpPr>
-          <p:cNvPr id="81" name="Rectangle 65"/>
-          <p:cNvSpPr/>
+      <p:pic>
+        <p:nvPicPr>
+          <p:cNvPr id="7" name="Picture 6">
+            <a:extLst>
+              <a:ext uri="{FF2B5EF4-FFF2-40B4-BE49-F238E27FC236}">
+                <a16:creationId xmlns:a16="http://schemas.microsoft.com/office/drawing/2014/main" id="{A3D0356A-F3BE-6B46-8C02-810BB08E0B89}"/>
+              </a:ext>
+            </a:extLst>
+          </p:cNvPr>
+          <p:cNvPicPr>
+            <a:picLocks noChangeAspect="1"/>
+          </p:cNvPicPr>
           <p:nvPr/>
-        </p:nvSpPr>
+        </p:nvPicPr>
+        <p:blipFill>
+          <a:blip r:embed="rId2">
+            <a:extLst>
+              <a:ext uri="{28A0092B-C50C-407E-A947-70E740481C1C}">
+                <a14:useLocalDpi xmlns:a14="http://schemas.microsoft.com/office/drawing/2010/main" val="0"/>
+              </a:ext>
+            </a:extLst>
+          </a:blip>
+          <a:stretch>
+            <a:fillRect/>
+          </a:stretch>
+        </p:blipFill>
         <p:spPr>
           <a:xfrm>
-            <a:off x="685800" y="1981200"/>
-            <a:ext cx="7252956" cy="4000286"/>
-          </a:xfrm>
-          <a:prstGeom prst="roundRect">
-            <a:avLst>
-              <a:gd name="adj" fmla="val 3484"/>
-            </a:avLst>
-          </a:prstGeom>
-          <a:solidFill>
-            <a:schemeClr val="accent1">
-              <a:lumMod val="20000"/>
-              <a:lumOff val="80000"/>
-            </a:schemeClr>
-          </a:solidFill>
-          <a:ln w="19050">
-            <a:noFill/>
-          </a:ln>
-          <a:effectLst/>
-        </p:spPr>
-        <p:style>
-          <a:lnRef idx="1">
-            <a:schemeClr val="accent2"/>
-          </a:lnRef>
-          <a:fillRef idx="2">
-            <a:schemeClr val="accent2"/>
-          </a:fillRef>
-          <a:effectRef idx="1">
-            <a:schemeClr val="accent2"/>
-          </a:effectRef>
-          <a:fontRef idx="minor">
-            <a:schemeClr val="dk1"/>
-          </a:fontRef>
-        </p:style>
-        <p:txBody>
-          <a:bodyPr rtlCol="0" anchor="t"/>
-          <a:lstStyle/>
-          <a:p>
-            <a:r>
-              <a:rPr lang="en-US" sz="1200" b="1" dirty="0">
-                <a:solidFill>
-                  <a:srgbClr val="0070C0"/>
-                </a:solidFill>
-              </a:rPr>
-              <a:t>Logic</a:t>
-            </a:r>
-            <a:endParaRPr lang="en-SG" sz="1200" b="1" dirty="0">
-              <a:solidFill>
-                <a:srgbClr val="0070C0"/>
-              </a:solidFill>
-            </a:endParaRPr>
-          </a:p>
-        </p:txBody>
-      </p:sp>
-      <p:sp>
-        <p:nvSpPr>
-          <p:cNvPr id="2" name="Rectangle 62"/>
-          <p:cNvSpPr/>
-          <p:nvPr/>
-        </p:nvSpPr>
-        <p:spPr>
-          <a:xfrm>
-            <a:off x="845045" y="2296546"/>
-            <a:ext cx="1455629" cy="346760"/>
+            <a:off x="345537" y="1257300"/>
+            <a:ext cx="8452925" cy="4343400"/>
           </a:xfrm>
           <a:prstGeom prst="rect">
             <a:avLst/>
           </a:prstGeom>
-          <a:solidFill>
-            <a:srgbClr val="0070C0"/>
-          </a:solidFill>
-          <a:ln w="19050">
-            <a:solidFill>
-              <a:srgbClr val="0070C0"/>
-            </a:solidFill>
-          </a:ln>
-          <a:effectLst/>
         </p:spPr>
-        <p:style>
-          <a:lnRef idx="1">
-            <a:schemeClr val="accent2"/>
-          </a:lnRef>
-          <a:fillRef idx="2">
-            <a:schemeClr val="accent2"/>
-          </a:fillRef>
-          <a:effectRef idx="1">
-            <a:schemeClr val="accent2"/>
-          </a:effectRef>
-          <a:fontRef idx="minor">
-            <a:schemeClr val="dk1"/>
-          </a:fontRef>
-        </p:style>
-        <p:txBody>
-          <a:bodyPr rtlCol="0" anchor="ctr"/>
-          <a:lstStyle/>
-          <a:p>
-            <a:pPr algn="ctr"/>
-            <a:r>
-              <a:rPr lang="en-US" sz="1600" dirty="0">
-                <a:solidFill>
-                  <a:schemeClr val="bg1"/>
-                </a:solidFill>
-              </a:rPr>
-              <a:t>:</a:t>
-            </a:r>
-            <a:r>
-              <a:rPr lang="en-US" sz="1600" dirty="0" err="1">
-                <a:solidFill>
-                  <a:schemeClr val="bg1"/>
-                </a:solidFill>
-              </a:rPr>
-              <a:t>LogicManager</a:t>
-            </a:r>
-            <a:endParaRPr lang="en-SG" sz="1600" dirty="0">
-              <a:solidFill>
-                <a:schemeClr val="bg1"/>
-              </a:solidFill>
-            </a:endParaRPr>
-          </a:p>
-        </p:txBody>
-      </p:sp>
-      <p:cxnSp>
-        <p:nvCxnSpPr>
-          <p:cNvPr id="5" name="Straight Connector 4"/>
-          <p:cNvCxnSpPr/>
-          <p:nvPr/>
-        </p:nvCxnSpPr>
-        <p:spPr>
-          <a:xfrm>
-            <a:off x="1572859" y="2660217"/>
-            <a:ext cx="0" cy="2597583"/>
-          </a:xfrm>
-          <a:prstGeom prst="line">
-            <a:avLst/>
-          </a:prstGeom>
-          <a:ln w="19050">
-            <a:solidFill>
-              <a:srgbClr val="0070C0"/>
-            </a:solidFill>
-            <a:prstDash val="sysDash"/>
-          </a:ln>
-          <a:effectLst/>
-        </p:spPr>
-        <p:style>
-          <a:lnRef idx="1">
-            <a:schemeClr val="accent1"/>
-          </a:lnRef>
-          <a:fillRef idx="2">
-            <a:schemeClr val="accent1"/>
-          </a:fillRef>
-          <a:effectRef idx="1">
-            <a:schemeClr val="accent1"/>
-          </a:effectRef>
-          <a:fontRef idx="minor">
-            <a:schemeClr val="dk1"/>
-          </a:fontRef>
-        </p:style>
-      </p:cxnSp>
-      <p:sp>
-        <p:nvSpPr>
-          <p:cNvPr id="6" name="Rectangle 5"/>
-          <p:cNvSpPr/>
-          <p:nvPr/>
-        </p:nvSpPr>
-        <p:spPr>
-          <a:xfrm>
-            <a:off x="1500851" y="3010911"/>
-            <a:ext cx="152400" cy="2780287"/>
-          </a:xfrm>
-          <a:prstGeom prst="rect">
-            <a:avLst/>
-          </a:prstGeom>
-          <a:solidFill>
-            <a:srgbClr val="0070C0"/>
-          </a:solidFill>
-          <a:ln>
-            <a:solidFill>
-              <a:srgbClr val="0070C0"/>
-            </a:solidFill>
-          </a:ln>
-          <a:effectLst/>
-        </p:spPr>
-        <p:style>
-          <a:lnRef idx="1">
-            <a:schemeClr val="accent3"/>
-          </a:lnRef>
-          <a:fillRef idx="2">
-            <a:schemeClr val="accent3"/>
-          </a:fillRef>
-          <a:effectRef idx="1">
-            <a:schemeClr val="accent3"/>
-          </a:effectRef>
-          <a:fontRef idx="minor">
-            <a:schemeClr val="dk1"/>
-          </a:fontRef>
-        </p:style>
-        <p:txBody>
-          <a:bodyPr rtlCol="0" anchor="ctr"/>
-          <a:lstStyle/>
-          <a:p>
-            <a:pPr algn="ctr"/>
-            <a:endParaRPr lang="en-SG" sz="1400"/>
-          </a:p>
-        </p:txBody>
-      </p:sp>
-      <p:sp>
-        <p:nvSpPr>
-          <p:cNvPr id="16" name="Rectangle 62"/>
-          <p:cNvSpPr/>
-          <p:nvPr/>
-        </p:nvSpPr>
-        <p:spPr>
-          <a:xfrm>
-            <a:off x="2743200" y="2179309"/>
-            <a:ext cx="1219200" cy="467684"/>
-          </a:xfrm>
-          <a:prstGeom prst="rect">
-            <a:avLst/>
-          </a:prstGeom>
-          <a:solidFill>
-            <a:srgbClr val="0070C0"/>
-          </a:solidFill>
-          <a:ln w="19050">
-            <a:solidFill>
-              <a:srgbClr val="0070C0"/>
-            </a:solidFill>
-          </a:ln>
-          <a:effectLst/>
-        </p:spPr>
-        <p:style>
-          <a:lnRef idx="1">
-            <a:schemeClr val="accent2"/>
-          </a:lnRef>
-          <a:fillRef idx="2">
-            <a:schemeClr val="accent2"/>
-          </a:fillRef>
-          <a:effectRef idx="1">
-            <a:schemeClr val="accent2"/>
-          </a:effectRef>
-          <a:fontRef idx="minor">
-            <a:schemeClr val="dk1"/>
-          </a:fontRef>
-        </p:style>
-        <p:txBody>
-          <a:bodyPr rtlCol="0" anchor="ctr"/>
-          <a:lstStyle/>
-          <a:p>
-            <a:pPr algn="ctr"/>
-            <a:r>
-              <a:rPr lang="en-US" sz="1600" dirty="0">
-                <a:solidFill>
-                  <a:schemeClr val="bg1"/>
-                </a:solidFill>
-              </a:rPr>
-              <a:t>:Address</a:t>
-            </a:r>
-          </a:p>
-          <a:p>
-            <a:pPr algn="ctr"/>
-            <a:r>
-              <a:rPr lang="en-US" sz="1600" dirty="0" err="1">
-                <a:solidFill>
-                  <a:schemeClr val="bg1"/>
-                </a:solidFill>
-              </a:rPr>
-              <a:t>BookParser</a:t>
-            </a:r>
-            <a:endParaRPr lang="en-SG" sz="1600" dirty="0">
-              <a:solidFill>
-                <a:schemeClr val="bg1"/>
-              </a:solidFill>
-            </a:endParaRPr>
-          </a:p>
-        </p:txBody>
-      </p:sp>
-      <p:cxnSp>
-        <p:nvCxnSpPr>
-          <p:cNvPr id="17" name="Straight Connector 16"/>
-          <p:cNvCxnSpPr/>
-          <p:nvPr/>
-        </p:nvCxnSpPr>
-        <p:spPr>
-          <a:xfrm>
-            <a:off x="3356599" y="2663904"/>
-            <a:ext cx="0" cy="1695374"/>
-          </a:xfrm>
-          <a:prstGeom prst="line">
-            <a:avLst/>
-          </a:prstGeom>
-          <a:ln w="19050">
-            <a:solidFill>
-              <a:srgbClr val="0070C0"/>
-            </a:solidFill>
-            <a:prstDash val="sysDash"/>
-          </a:ln>
-          <a:effectLst/>
-        </p:spPr>
-        <p:style>
-          <a:lnRef idx="1">
-            <a:schemeClr val="accent1"/>
-          </a:lnRef>
-          <a:fillRef idx="2">
-            <a:schemeClr val="accent1"/>
-          </a:fillRef>
-          <a:effectRef idx="1">
-            <a:schemeClr val="accent1"/>
-          </a:effectRef>
-          <a:fontRef idx="minor">
-            <a:schemeClr val="dk1"/>
-          </a:fontRef>
-        </p:style>
-      </p:cxnSp>
-      <p:sp>
-        <p:nvSpPr>
-          <p:cNvPr id="18" name="Rectangle 17"/>
-          <p:cNvSpPr/>
-          <p:nvPr/>
-        </p:nvSpPr>
-        <p:spPr>
-          <a:xfrm>
-            <a:off x="3284590" y="3122096"/>
-            <a:ext cx="174929" cy="1129459"/>
-          </a:xfrm>
-          <a:prstGeom prst="rect">
-            <a:avLst/>
-          </a:prstGeom>
-          <a:solidFill>
-            <a:srgbClr val="0070C0"/>
-          </a:solidFill>
-          <a:ln>
-            <a:solidFill>
-              <a:srgbClr val="0070C0"/>
-            </a:solidFill>
-          </a:ln>
-          <a:effectLst/>
-        </p:spPr>
-        <p:style>
-          <a:lnRef idx="1">
-            <a:schemeClr val="accent3"/>
-          </a:lnRef>
-          <a:fillRef idx="2">
-            <a:schemeClr val="accent3"/>
-          </a:fillRef>
-          <a:effectRef idx="1">
-            <a:schemeClr val="accent3"/>
-          </a:effectRef>
-          <a:fontRef idx="minor">
-            <a:schemeClr val="dk1"/>
-          </a:fontRef>
-        </p:style>
-        <p:txBody>
-          <a:bodyPr rtlCol="0" anchor="ctr"/>
-          <a:lstStyle/>
-          <a:p>
-            <a:pPr algn="ctr"/>
-            <a:endParaRPr lang="en-SG" sz="1400">
-              <a:solidFill>
-                <a:schemeClr val="dk1"/>
-              </a:solidFill>
-            </a:endParaRPr>
-          </a:p>
-        </p:txBody>
-      </p:sp>
-      <p:sp>
-        <p:nvSpPr>
-          <p:cNvPr id="19" name="Rectangle 62"/>
-          <p:cNvSpPr/>
-          <p:nvPr/>
-        </p:nvSpPr>
-        <p:spPr>
-          <a:xfrm>
-            <a:off x="6221565" y="3312740"/>
-            <a:ext cx="1093635" cy="461538"/>
-          </a:xfrm>
-          <a:prstGeom prst="rect">
-            <a:avLst/>
-          </a:prstGeom>
-          <a:solidFill>
-            <a:srgbClr val="0070C0"/>
-          </a:solidFill>
-          <a:ln w="19050">
-            <a:solidFill>
-              <a:srgbClr val="0070C0"/>
-            </a:solidFill>
-          </a:ln>
-          <a:effectLst/>
-        </p:spPr>
-        <p:style>
-          <a:lnRef idx="1">
-            <a:schemeClr val="accent2"/>
-          </a:lnRef>
-          <a:fillRef idx="2">
-            <a:schemeClr val="accent2"/>
-          </a:fillRef>
-          <a:effectRef idx="1">
-            <a:schemeClr val="accent2"/>
-          </a:effectRef>
-          <a:fontRef idx="minor">
-            <a:schemeClr val="dk1"/>
-          </a:fontRef>
-        </p:style>
-        <p:txBody>
-          <a:bodyPr rtlCol="0" anchor="ctr"/>
-          <a:lstStyle/>
-          <a:p>
-            <a:pPr algn="ctr"/>
-            <a:r>
-              <a:rPr lang="en-US" sz="1600" dirty="0">
-                <a:solidFill>
-                  <a:schemeClr val="bg1"/>
-                </a:solidFill>
-              </a:rPr>
-              <a:t>d:Delete</a:t>
-            </a:r>
-            <a:br>
-              <a:rPr lang="en-US" sz="1600" dirty="0">
-                <a:solidFill>
-                  <a:schemeClr val="bg1"/>
-                </a:solidFill>
-              </a:rPr>
-            </a:br>
-            <a:r>
-              <a:rPr lang="en-US" sz="1600" dirty="0">
-                <a:solidFill>
-                  <a:schemeClr val="bg1"/>
-                </a:solidFill>
-              </a:rPr>
-              <a:t>Command</a:t>
-            </a:r>
-            <a:endParaRPr lang="en-SG" sz="1600" dirty="0">
-              <a:solidFill>
-                <a:schemeClr val="bg1"/>
-              </a:solidFill>
-            </a:endParaRPr>
-          </a:p>
-        </p:txBody>
-      </p:sp>
-      <p:cxnSp>
-        <p:nvCxnSpPr>
-          <p:cNvPr id="20" name="Straight Connector 19"/>
-          <p:cNvCxnSpPr>
-            <a:stCxn id="21" idx="0"/>
-          </p:cNvCxnSpPr>
-          <p:nvPr/>
-        </p:nvCxnSpPr>
-        <p:spPr>
-          <a:xfrm>
-            <a:off x="6772574" y="3774278"/>
-            <a:ext cx="0" cy="1940722"/>
-          </a:xfrm>
-          <a:prstGeom prst="line">
-            <a:avLst/>
-          </a:prstGeom>
-          <a:ln w="19050">
-            <a:solidFill>
-              <a:srgbClr val="0070C0"/>
-            </a:solidFill>
-            <a:prstDash val="sysDash"/>
-          </a:ln>
-          <a:effectLst/>
-        </p:spPr>
-        <p:style>
-          <a:lnRef idx="1">
-            <a:schemeClr val="accent1"/>
-          </a:lnRef>
-          <a:fillRef idx="2">
-            <a:schemeClr val="accent1"/>
-          </a:fillRef>
-          <a:effectRef idx="1">
-            <a:schemeClr val="accent1"/>
-          </a:effectRef>
-          <a:fontRef idx="minor">
-            <a:schemeClr val="dk1"/>
-          </a:fontRef>
-        </p:style>
-      </p:cxnSp>
-      <p:sp>
-        <p:nvSpPr>
-          <p:cNvPr id="21" name="Rectangle 20"/>
-          <p:cNvSpPr/>
-          <p:nvPr/>
-        </p:nvSpPr>
-        <p:spPr>
-          <a:xfrm>
-            <a:off x="6696374" y="3774278"/>
-            <a:ext cx="152400" cy="276003"/>
-          </a:xfrm>
-          <a:prstGeom prst="rect">
-            <a:avLst/>
-          </a:prstGeom>
-          <a:solidFill>
-            <a:srgbClr val="0070C0"/>
-          </a:solidFill>
-          <a:ln>
-            <a:solidFill>
-              <a:srgbClr val="0070C0"/>
-            </a:solidFill>
-          </a:ln>
-          <a:effectLst/>
-        </p:spPr>
-        <p:style>
-          <a:lnRef idx="1">
-            <a:schemeClr val="accent3"/>
-          </a:lnRef>
-          <a:fillRef idx="2">
-            <a:schemeClr val="accent3"/>
-          </a:fillRef>
-          <a:effectRef idx="1">
-            <a:schemeClr val="accent3"/>
-          </a:effectRef>
-          <a:fontRef idx="minor">
-            <a:schemeClr val="dk1"/>
-          </a:fontRef>
-        </p:style>
-        <p:txBody>
-          <a:bodyPr rtlCol="0" anchor="ctr"/>
-          <a:lstStyle/>
-          <a:p>
-            <a:pPr algn="ctr"/>
-            <a:endParaRPr lang="en-SG" sz="1400"/>
-          </a:p>
-        </p:txBody>
-      </p:sp>
-      <p:cxnSp>
-        <p:nvCxnSpPr>
-          <p:cNvPr id="23" name="Straight Arrow Connector 22"/>
-          <p:cNvCxnSpPr/>
-          <p:nvPr/>
-        </p:nvCxnSpPr>
-        <p:spPr>
-          <a:xfrm>
-            <a:off x="381000" y="3014599"/>
-            <a:ext cx="1119851" cy="0"/>
-          </a:xfrm>
-          <a:prstGeom prst="straightConnector1">
-            <a:avLst/>
-          </a:prstGeom>
-          <a:ln w="19050">
-            <a:solidFill>
-              <a:srgbClr val="00B050"/>
-            </a:solidFill>
-            <a:tailEnd type="arrow"/>
-          </a:ln>
-        </p:spPr>
-        <p:style>
-          <a:lnRef idx="1">
-            <a:schemeClr val="accent1"/>
-          </a:lnRef>
-          <a:fillRef idx="0">
-            <a:schemeClr val="accent1"/>
-          </a:fillRef>
-          <a:effectRef idx="0">
-            <a:schemeClr val="accent1"/>
-          </a:effectRef>
-          <a:fontRef idx="minor">
-            <a:schemeClr val="tx1"/>
-          </a:fontRef>
-        </p:style>
-      </p:cxnSp>
-      <p:cxnSp>
-        <p:nvCxnSpPr>
-          <p:cNvPr id="25" name="Straight Arrow Connector 24"/>
-          <p:cNvCxnSpPr/>
-          <p:nvPr/>
-        </p:nvCxnSpPr>
-        <p:spPr>
-          <a:xfrm flipV="1">
-            <a:off x="1653251" y="3122097"/>
-            <a:ext cx="1596514" cy="1"/>
-          </a:xfrm>
-          <a:prstGeom prst="straightConnector1">
-            <a:avLst/>
-          </a:prstGeom>
-          <a:ln w="19050">
-            <a:solidFill>
-              <a:srgbClr val="0070C0"/>
-            </a:solidFill>
-            <a:tailEnd type="arrow"/>
-          </a:ln>
-        </p:spPr>
-        <p:style>
-          <a:lnRef idx="1">
-            <a:schemeClr val="accent1"/>
-          </a:lnRef>
-          <a:fillRef idx="0">
-            <a:schemeClr val="accent1"/>
-          </a:fillRef>
-          <a:effectRef idx="0">
-            <a:schemeClr val="accent1"/>
-          </a:effectRef>
-          <a:fontRef idx="minor">
-            <a:schemeClr val="tx1"/>
-          </a:fontRef>
-        </p:style>
-      </p:cxnSp>
-      <p:sp>
-        <p:nvSpPr>
-          <p:cNvPr id="26" name="TextBox 25"/>
-          <p:cNvSpPr txBox="1"/>
-          <p:nvPr/>
-        </p:nvSpPr>
-        <p:spPr>
-          <a:xfrm>
-            <a:off x="0" y="2743200"/>
-            <a:ext cx="1424846" cy="215444"/>
-          </a:xfrm>
-          <a:prstGeom prst="rect">
-            <a:avLst/>
-          </a:prstGeom>
-          <a:noFill/>
-        </p:spPr>
-        <p:txBody>
-          <a:bodyPr wrap="square" lIns="0" tIns="0" rIns="0" bIns="0" rtlCol="0">
-            <a:spAutoFit/>
-          </a:bodyPr>
-          <a:lstStyle/>
-          <a:p>
-            <a:pPr algn="r"/>
-            <a:r>
-              <a:rPr lang="en-US" sz="1400" dirty="0">
-                <a:solidFill>
-                  <a:srgbClr val="0070C0"/>
-                </a:solidFill>
-              </a:rPr>
-              <a:t>execute(“delete 1”)</a:t>
-            </a:r>
-          </a:p>
-        </p:txBody>
-      </p:sp>
-      <p:cxnSp>
-        <p:nvCxnSpPr>
-          <p:cNvPr id="28" name="Straight Arrow Connector 27"/>
-          <p:cNvCxnSpPr/>
-          <p:nvPr/>
-        </p:nvCxnSpPr>
-        <p:spPr>
-          <a:xfrm flipV="1">
-            <a:off x="5257218" y="3703214"/>
-            <a:ext cx="922392" cy="1"/>
-          </a:xfrm>
-          <a:prstGeom prst="straightConnector1">
-            <a:avLst/>
-          </a:prstGeom>
-          <a:ln w="19050">
-            <a:solidFill>
-              <a:srgbClr val="0070C0"/>
-            </a:solidFill>
-            <a:tailEnd type="arrow"/>
-          </a:ln>
-        </p:spPr>
-        <p:style>
-          <a:lnRef idx="1">
-            <a:schemeClr val="accent1"/>
-          </a:lnRef>
-          <a:fillRef idx="0">
-            <a:schemeClr val="accent1"/>
-          </a:fillRef>
-          <a:effectRef idx="0">
-            <a:schemeClr val="accent1"/>
-          </a:effectRef>
-          <a:fontRef idx="minor">
-            <a:schemeClr val="tx1"/>
-          </a:fontRef>
-        </p:style>
-      </p:cxnSp>
-      <p:sp>
-        <p:nvSpPr>
-          <p:cNvPr id="29" name="TextBox 28"/>
-          <p:cNvSpPr txBox="1"/>
-          <p:nvPr/>
-        </p:nvSpPr>
-        <p:spPr>
-          <a:xfrm>
-            <a:off x="4257582" y="4251556"/>
-            <a:ext cx="855809" cy="215444"/>
-          </a:xfrm>
-          <a:prstGeom prst="rect">
-            <a:avLst/>
-          </a:prstGeom>
-          <a:noFill/>
-        </p:spPr>
-        <p:txBody>
-          <a:bodyPr wrap="square" lIns="0" tIns="0" rIns="0" bIns="0" rtlCol="0">
-            <a:spAutoFit/>
-          </a:bodyPr>
-          <a:lstStyle>
-            <a:defPPr>
-              <a:defRPr lang="en-US"/>
-            </a:defPPr>
-            <a:lvl1pPr algn="r">
-              <a:defRPr sz="1400">
-                <a:solidFill>
-                  <a:srgbClr val="0070C0"/>
-                </a:solidFill>
-              </a:defRPr>
-            </a:lvl1pPr>
-          </a:lstStyle>
-          <a:p>
-            <a:r>
-              <a:rPr lang="en-US" dirty="0"/>
-              <a:t>execute()</a:t>
-            </a:r>
-          </a:p>
-        </p:txBody>
-      </p:sp>
-      <p:cxnSp>
-        <p:nvCxnSpPr>
-          <p:cNvPr id="34" name="Straight Arrow Connector 33"/>
-          <p:cNvCxnSpPr/>
-          <p:nvPr/>
-        </p:nvCxnSpPr>
-        <p:spPr>
-          <a:xfrm>
-            <a:off x="5257800" y="4050281"/>
-            <a:ext cx="1492974" cy="0"/>
-          </a:xfrm>
-          <a:prstGeom prst="straightConnector1">
-            <a:avLst/>
-          </a:prstGeom>
-          <a:ln w="19050">
-            <a:solidFill>
-              <a:srgbClr val="0070C0"/>
-            </a:solidFill>
-            <a:prstDash val="sysDash"/>
-            <a:headEnd type="arrow" w="med" len="med"/>
-            <a:tailEnd type="none" w="med" len="med"/>
-          </a:ln>
-        </p:spPr>
-        <p:style>
-          <a:lnRef idx="1">
-            <a:schemeClr val="accent1"/>
-          </a:lnRef>
-          <a:fillRef idx="0">
-            <a:schemeClr val="accent1"/>
-          </a:fillRef>
-          <a:effectRef idx="0">
-            <a:schemeClr val="accent1"/>
-          </a:effectRef>
-          <a:fontRef idx="minor">
-            <a:schemeClr val="tx1"/>
-          </a:fontRef>
-        </p:style>
-      </p:cxnSp>
-      <p:cxnSp>
-        <p:nvCxnSpPr>
-          <p:cNvPr id="35" name="Straight Arrow Connector 34"/>
-          <p:cNvCxnSpPr/>
-          <p:nvPr/>
-        </p:nvCxnSpPr>
-        <p:spPr>
-          <a:xfrm flipV="1">
-            <a:off x="1670186" y="4243231"/>
-            <a:ext cx="1596514" cy="5378"/>
-          </a:xfrm>
-          <a:prstGeom prst="straightConnector1">
-            <a:avLst/>
-          </a:prstGeom>
-          <a:ln w="19050">
-            <a:solidFill>
-              <a:srgbClr val="0070C0"/>
-            </a:solidFill>
-            <a:prstDash val="sysDash"/>
-            <a:headEnd type="arrow" w="med" len="med"/>
-            <a:tailEnd type="none" w="med" len="med"/>
-          </a:ln>
-        </p:spPr>
-        <p:style>
-          <a:lnRef idx="1">
-            <a:schemeClr val="accent1"/>
-          </a:lnRef>
-          <a:fillRef idx="0">
-            <a:schemeClr val="accent1"/>
-          </a:fillRef>
-          <a:effectRef idx="0">
-            <a:schemeClr val="accent1"/>
-          </a:effectRef>
-          <a:fontRef idx="minor">
-            <a:schemeClr val="tx1"/>
-          </a:fontRef>
-        </p:style>
-      </p:cxnSp>
-      <p:cxnSp>
-        <p:nvCxnSpPr>
-          <p:cNvPr id="37" name="Straight Arrow Connector 36"/>
-          <p:cNvCxnSpPr/>
-          <p:nvPr/>
-        </p:nvCxnSpPr>
-        <p:spPr>
-          <a:xfrm>
-            <a:off x="304800" y="5791200"/>
-            <a:ext cx="1196051" cy="0"/>
-          </a:xfrm>
-          <a:prstGeom prst="straightConnector1">
-            <a:avLst/>
-          </a:prstGeom>
-          <a:ln w="19050">
-            <a:solidFill>
-              <a:schemeClr val="accent1"/>
-            </a:solidFill>
-            <a:prstDash val="sysDash"/>
-            <a:headEnd type="arrow" w="med" len="med"/>
-            <a:tailEnd type="none" w="med" len="med"/>
-          </a:ln>
-        </p:spPr>
-        <p:style>
-          <a:lnRef idx="1">
-            <a:schemeClr val="accent1"/>
-          </a:lnRef>
-          <a:fillRef idx="0">
-            <a:schemeClr val="accent1"/>
-          </a:fillRef>
-          <a:effectRef idx="0">
-            <a:schemeClr val="accent1"/>
-          </a:effectRef>
-          <a:fontRef idx="minor">
-            <a:schemeClr val="tx1"/>
-          </a:fontRef>
-        </p:style>
-      </p:cxnSp>
-      <p:sp>
-        <p:nvSpPr>
-          <p:cNvPr id="39" name="Rectangle 62"/>
-          <p:cNvSpPr/>
-          <p:nvPr/>
-        </p:nvSpPr>
-        <p:spPr>
-          <a:xfrm>
-            <a:off x="8265896" y="2362200"/>
-            <a:ext cx="1030504" cy="346760"/>
-          </a:xfrm>
-          <a:prstGeom prst="rect">
-            <a:avLst/>
-          </a:prstGeom>
-          <a:solidFill>
-            <a:schemeClr val="accent4">
-              <a:lumMod val="60000"/>
-              <a:lumOff val="40000"/>
-            </a:schemeClr>
-          </a:solidFill>
-          <a:ln w="19050">
-            <a:solidFill>
-              <a:schemeClr val="accent4">
-                <a:lumMod val="60000"/>
-                <a:lumOff val="40000"/>
-              </a:schemeClr>
-            </a:solidFill>
-          </a:ln>
-          <a:effectLst/>
-        </p:spPr>
-        <p:style>
-          <a:lnRef idx="1">
-            <a:schemeClr val="accent2"/>
-          </a:lnRef>
-          <a:fillRef idx="2">
-            <a:schemeClr val="accent2"/>
-          </a:fillRef>
-          <a:effectRef idx="1">
-            <a:schemeClr val="accent2"/>
-          </a:effectRef>
-          <a:fontRef idx="minor">
-            <a:schemeClr val="dk1"/>
-          </a:fontRef>
-        </p:style>
-        <p:txBody>
-          <a:bodyPr rtlCol="0" anchor="ctr"/>
-          <a:lstStyle/>
-          <a:p>
-            <a:pPr algn="ctr"/>
-            <a:r>
-              <a:rPr lang="en-US" sz="1600" dirty="0">
-                <a:solidFill>
-                  <a:schemeClr val="bg1"/>
-                </a:solidFill>
-              </a:rPr>
-              <a:t>:Model</a:t>
-            </a:r>
-            <a:endParaRPr lang="en-SG" sz="1600" dirty="0">
-              <a:solidFill>
-                <a:schemeClr val="bg1"/>
-              </a:solidFill>
-            </a:endParaRPr>
-          </a:p>
-        </p:txBody>
-      </p:sp>
-      <p:cxnSp>
-        <p:nvCxnSpPr>
-          <p:cNvPr id="64" name="Straight Arrow Connector 63"/>
-          <p:cNvCxnSpPr/>
-          <p:nvPr/>
-        </p:nvCxnSpPr>
-        <p:spPr>
-          <a:xfrm>
-            <a:off x="1653251" y="4495317"/>
-            <a:ext cx="5043123" cy="0"/>
-          </a:xfrm>
-          <a:prstGeom prst="straightConnector1">
-            <a:avLst/>
-          </a:prstGeom>
-          <a:ln w="19050">
-            <a:solidFill>
-              <a:srgbClr val="0070C0"/>
-            </a:solidFill>
-            <a:tailEnd type="arrow"/>
-          </a:ln>
-        </p:spPr>
-        <p:style>
-          <a:lnRef idx="1">
-            <a:schemeClr val="accent1"/>
-          </a:lnRef>
-          <a:fillRef idx="0">
-            <a:schemeClr val="accent1"/>
-          </a:fillRef>
-          <a:effectRef idx="0">
-            <a:schemeClr val="accent1"/>
-          </a:effectRef>
-          <a:fontRef idx="minor">
-            <a:schemeClr val="tx1"/>
-          </a:fontRef>
-        </p:style>
-      </p:cxnSp>
-      <p:sp>
-        <p:nvSpPr>
-          <p:cNvPr id="65" name="Rectangle 64"/>
-          <p:cNvSpPr/>
-          <p:nvPr/>
-        </p:nvSpPr>
-        <p:spPr>
-          <a:xfrm>
-            <a:off x="6687452" y="4467000"/>
-            <a:ext cx="161322" cy="1019400"/>
-          </a:xfrm>
-          <a:prstGeom prst="rect">
-            <a:avLst/>
-          </a:prstGeom>
-          <a:solidFill>
-            <a:srgbClr val="0070C0"/>
-          </a:solidFill>
-          <a:ln>
-            <a:solidFill>
-              <a:srgbClr val="0070C0"/>
-            </a:solidFill>
-          </a:ln>
-          <a:effectLst/>
-        </p:spPr>
-        <p:style>
-          <a:lnRef idx="1">
-            <a:schemeClr val="accent3"/>
-          </a:lnRef>
-          <a:fillRef idx="2">
-            <a:schemeClr val="accent3"/>
-          </a:fillRef>
-          <a:effectRef idx="1">
-            <a:schemeClr val="accent3"/>
-          </a:effectRef>
-          <a:fontRef idx="minor">
-            <a:schemeClr val="dk1"/>
-          </a:fontRef>
-        </p:style>
-        <p:txBody>
-          <a:bodyPr rtlCol="0" anchor="ctr"/>
-          <a:lstStyle/>
-          <a:p>
-            <a:pPr algn="ctr"/>
-            <a:endParaRPr lang="en-SG" sz="1400"/>
-          </a:p>
-        </p:txBody>
-      </p:sp>
-      <p:cxnSp>
-        <p:nvCxnSpPr>
-          <p:cNvPr id="71" name="Straight Connector 70"/>
-          <p:cNvCxnSpPr/>
-          <p:nvPr/>
-        </p:nvCxnSpPr>
-        <p:spPr>
-          <a:xfrm>
-            <a:off x="8781148" y="2700858"/>
-            <a:ext cx="0" cy="2830598"/>
-          </a:xfrm>
-          <a:prstGeom prst="line">
-            <a:avLst/>
-          </a:prstGeom>
-          <a:ln w="19050">
-            <a:solidFill>
-              <a:schemeClr val="accent4">
-                <a:lumMod val="60000"/>
-                <a:lumOff val="40000"/>
-              </a:schemeClr>
-            </a:solidFill>
-            <a:prstDash val="sysDash"/>
-          </a:ln>
-          <a:effectLst/>
-        </p:spPr>
-        <p:style>
-          <a:lnRef idx="1">
-            <a:schemeClr val="accent1"/>
-          </a:lnRef>
-          <a:fillRef idx="2">
-            <a:schemeClr val="accent1"/>
-          </a:fillRef>
-          <a:effectRef idx="1">
-            <a:schemeClr val="accent1"/>
-          </a:effectRef>
-          <a:fontRef idx="minor">
-            <a:schemeClr val="dk1"/>
-          </a:fontRef>
-        </p:style>
-      </p:cxnSp>
-      <p:sp>
-        <p:nvSpPr>
-          <p:cNvPr id="73" name="Rectangle 72"/>
-          <p:cNvSpPr/>
-          <p:nvPr/>
-        </p:nvSpPr>
-        <p:spPr>
-          <a:xfrm>
-            <a:off x="8686800" y="4524597"/>
-            <a:ext cx="152400" cy="199803"/>
-          </a:xfrm>
-          <a:prstGeom prst="rect">
-            <a:avLst/>
-          </a:prstGeom>
-          <a:solidFill>
-            <a:schemeClr val="accent4">
-              <a:lumMod val="60000"/>
-              <a:lumOff val="40000"/>
-            </a:schemeClr>
-          </a:solidFill>
-          <a:ln>
-            <a:solidFill>
-              <a:schemeClr val="accent4">
-                <a:lumMod val="60000"/>
-                <a:lumOff val="40000"/>
-              </a:schemeClr>
-            </a:solidFill>
-          </a:ln>
-          <a:effectLst/>
-        </p:spPr>
-        <p:style>
-          <a:lnRef idx="1">
-            <a:schemeClr val="accent3"/>
-          </a:lnRef>
-          <a:fillRef idx="2">
-            <a:schemeClr val="accent3"/>
-          </a:fillRef>
-          <a:effectRef idx="1">
-            <a:schemeClr val="accent3"/>
-          </a:effectRef>
-          <a:fontRef idx="minor">
-            <a:schemeClr val="dk1"/>
-          </a:fontRef>
-        </p:style>
-        <p:txBody>
-          <a:bodyPr rtlCol="0" anchor="ctr"/>
-          <a:lstStyle/>
-          <a:p>
-            <a:pPr algn="ctr"/>
-            <a:endParaRPr lang="en-SG" sz="1400">
-              <a:solidFill>
-                <a:schemeClr val="dk1"/>
-              </a:solidFill>
-            </a:endParaRPr>
-          </a:p>
-        </p:txBody>
-      </p:sp>
-      <p:cxnSp>
-        <p:nvCxnSpPr>
-          <p:cNvPr id="75" name="Straight Arrow Connector 74"/>
-          <p:cNvCxnSpPr/>
-          <p:nvPr/>
-        </p:nvCxnSpPr>
-        <p:spPr>
-          <a:xfrm>
-            <a:off x="6850663" y="4524597"/>
-            <a:ext cx="1836137" cy="0"/>
-          </a:xfrm>
-          <a:prstGeom prst="straightConnector1">
-            <a:avLst/>
-          </a:prstGeom>
-          <a:ln w="19050">
-            <a:solidFill>
-              <a:srgbClr val="0070C0"/>
-            </a:solidFill>
-            <a:tailEnd type="arrow"/>
-          </a:ln>
-        </p:spPr>
-        <p:style>
-          <a:lnRef idx="1">
-            <a:schemeClr val="accent1"/>
-          </a:lnRef>
-          <a:fillRef idx="0">
-            <a:schemeClr val="accent1"/>
-          </a:fillRef>
-          <a:effectRef idx="0">
-            <a:schemeClr val="accent1"/>
-          </a:effectRef>
-          <a:fontRef idx="minor">
-            <a:schemeClr val="tx1"/>
-          </a:fontRef>
-        </p:style>
-      </p:cxnSp>
-      <p:cxnSp>
-        <p:nvCxnSpPr>
-          <p:cNvPr id="76" name="Straight Arrow Connector 75"/>
-          <p:cNvCxnSpPr/>
-          <p:nvPr/>
-        </p:nvCxnSpPr>
-        <p:spPr>
-          <a:xfrm flipV="1">
-            <a:off x="6848774" y="4714650"/>
-            <a:ext cx="1838026" cy="9750"/>
-          </a:xfrm>
-          <a:prstGeom prst="straightConnector1">
-            <a:avLst/>
-          </a:prstGeom>
-          <a:ln w="19050">
-            <a:solidFill>
-              <a:schemeClr val="accent4">
-                <a:lumMod val="60000"/>
-                <a:lumOff val="40000"/>
-              </a:schemeClr>
-            </a:solidFill>
-            <a:prstDash val="sysDash"/>
-            <a:headEnd type="arrow" w="med" len="med"/>
-            <a:tailEnd type="none" w="med" len="med"/>
-          </a:ln>
-        </p:spPr>
-        <p:style>
-          <a:lnRef idx="1">
-            <a:schemeClr val="accent1"/>
-          </a:lnRef>
-          <a:fillRef idx="0">
-            <a:schemeClr val="accent1"/>
-          </a:fillRef>
-          <a:effectRef idx="0">
-            <a:schemeClr val="accent1"/>
-          </a:effectRef>
-          <a:fontRef idx="minor">
-            <a:schemeClr val="tx1"/>
-          </a:fontRef>
-        </p:style>
-      </p:cxnSp>
-      <p:cxnSp>
-        <p:nvCxnSpPr>
-          <p:cNvPr id="77" name="Straight Arrow Connector 76"/>
-          <p:cNvCxnSpPr/>
-          <p:nvPr/>
-        </p:nvCxnSpPr>
-        <p:spPr>
-          <a:xfrm>
-            <a:off x="1653251" y="5486400"/>
-            <a:ext cx="5052349" cy="0"/>
-          </a:xfrm>
-          <a:prstGeom prst="straightConnector1">
-            <a:avLst/>
-          </a:prstGeom>
-          <a:ln w="19050">
-            <a:solidFill>
-              <a:srgbClr val="0070C0"/>
-            </a:solidFill>
-            <a:prstDash val="sysDash"/>
-            <a:headEnd type="arrow" w="med" len="med"/>
-            <a:tailEnd type="none" w="med" len="med"/>
-          </a:ln>
-        </p:spPr>
-        <p:style>
-          <a:lnRef idx="1">
-            <a:schemeClr val="accent1"/>
-          </a:lnRef>
-          <a:fillRef idx="0">
-            <a:schemeClr val="accent1"/>
-          </a:fillRef>
-          <a:effectRef idx="0">
-            <a:schemeClr val="accent1"/>
-          </a:effectRef>
-          <a:fontRef idx="minor">
-            <a:schemeClr val="tx1"/>
-          </a:fontRef>
-        </p:style>
-      </p:cxnSp>
-      <p:sp>
-        <p:nvSpPr>
-          <p:cNvPr id="78" name="TextBox 77"/>
-          <p:cNvSpPr txBox="1"/>
-          <p:nvPr/>
-        </p:nvSpPr>
-        <p:spPr>
-          <a:xfrm>
-            <a:off x="6984957" y="4267200"/>
-            <a:ext cx="1424846" cy="215444"/>
-          </a:xfrm>
-          <a:prstGeom prst="rect">
-            <a:avLst/>
-          </a:prstGeom>
-          <a:noFill/>
-        </p:spPr>
-        <p:txBody>
-          <a:bodyPr wrap="square" lIns="0" tIns="0" rIns="0" bIns="0" rtlCol="0">
-            <a:spAutoFit/>
-          </a:bodyPr>
-          <a:lstStyle>
-            <a:defPPr>
-              <a:defRPr lang="en-US"/>
-            </a:defPPr>
-            <a:lvl1pPr algn="r">
-              <a:defRPr sz="1400">
-                <a:solidFill>
-                  <a:srgbClr val="0070C0"/>
-                </a:solidFill>
-              </a:defRPr>
-            </a:lvl1pPr>
-          </a:lstStyle>
-          <a:p>
-            <a:r>
-              <a:rPr lang="en-US" dirty="0" err="1">
-                <a:solidFill>
-                  <a:srgbClr val="7030A0"/>
-                </a:solidFill>
-              </a:rPr>
-              <a:t>deletePerson</a:t>
-            </a:r>
-            <a:r>
-              <a:rPr lang="en-US" dirty="0">
-                <a:solidFill>
-                  <a:srgbClr val="7030A0"/>
-                </a:solidFill>
-              </a:rPr>
-              <a:t>(p)</a:t>
-            </a:r>
-          </a:p>
-        </p:txBody>
-      </p:sp>
-      <p:sp>
-        <p:nvSpPr>
-          <p:cNvPr id="79" name="TextBox 78"/>
-          <p:cNvSpPr txBox="1"/>
-          <p:nvPr/>
-        </p:nvSpPr>
-        <p:spPr>
-          <a:xfrm>
-            <a:off x="3847551" y="3657600"/>
-            <a:ext cx="767033" cy="184666"/>
-          </a:xfrm>
-          <a:prstGeom prst="rect">
-            <a:avLst/>
-          </a:prstGeom>
-          <a:noFill/>
-        </p:spPr>
-        <p:txBody>
-          <a:bodyPr wrap="square" lIns="0" tIns="0" rIns="0" bIns="0" rtlCol="0">
-            <a:spAutoFit/>
-          </a:bodyPr>
-          <a:lstStyle>
-            <a:defPPr>
-              <a:defRPr lang="en-US"/>
-            </a:defPPr>
-            <a:lvl1pPr algn="r">
-              <a:defRPr sz="1400">
-                <a:solidFill>
-                  <a:srgbClr val="0070C0"/>
-                </a:solidFill>
-              </a:defRPr>
-            </a:lvl1pPr>
-          </a:lstStyle>
-          <a:p>
-            <a:r>
-              <a:rPr lang="en-US" sz="1200" dirty="0"/>
-              <a:t>parse(“1”)</a:t>
-            </a:r>
-          </a:p>
-        </p:txBody>
-      </p:sp>
-      <p:sp>
-        <p:nvSpPr>
-          <p:cNvPr id="80" name="TextBox 79"/>
-          <p:cNvSpPr txBox="1"/>
-          <p:nvPr/>
-        </p:nvSpPr>
-        <p:spPr>
-          <a:xfrm>
-            <a:off x="1742982" y="2850922"/>
-            <a:ext cx="1424846" cy="215444"/>
-          </a:xfrm>
-          <a:prstGeom prst="rect">
-            <a:avLst/>
-          </a:prstGeom>
-          <a:noFill/>
-        </p:spPr>
-        <p:txBody>
-          <a:bodyPr wrap="square" lIns="0" tIns="0" rIns="0" bIns="0" rtlCol="0">
-            <a:spAutoFit/>
-          </a:bodyPr>
-          <a:lstStyle>
-            <a:defPPr>
-              <a:defRPr lang="en-US"/>
-            </a:defPPr>
-            <a:lvl1pPr algn="r">
-              <a:defRPr sz="1400">
-                <a:solidFill>
-                  <a:srgbClr val="0070C0"/>
-                </a:solidFill>
-              </a:defRPr>
-            </a:lvl1pPr>
-          </a:lstStyle>
-          <a:p>
-            <a:r>
-              <a:rPr lang="en-US" dirty="0"/>
-              <a:t>parse(“delete 1”)</a:t>
-            </a:r>
-          </a:p>
-        </p:txBody>
-      </p:sp>
-      <p:sp>
-        <p:nvSpPr>
-          <p:cNvPr id="82" name="TextBox 81"/>
-          <p:cNvSpPr txBox="1"/>
-          <p:nvPr/>
-        </p:nvSpPr>
-        <p:spPr>
-          <a:xfrm>
-            <a:off x="4340137" y="5255323"/>
-            <a:ext cx="621216" cy="215444"/>
-          </a:xfrm>
-          <a:prstGeom prst="rect">
-            <a:avLst/>
-          </a:prstGeom>
-          <a:noFill/>
-        </p:spPr>
-        <p:txBody>
-          <a:bodyPr wrap="square" lIns="0" tIns="0" rIns="0" bIns="0" rtlCol="0">
-            <a:spAutoFit/>
-          </a:bodyPr>
-          <a:lstStyle>
-            <a:defPPr>
-              <a:defRPr lang="en-US"/>
-            </a:defPPr>
-            <a:lvl1pPr algn="r">
-              <a:defRPr sz="1400">
-                <a:solidFill>
-                  <a:srgbClr val="0070C0"/>
-                </a:solidFill>
-              </a:defRPr>
-            </a:lvl1pPr>
-          </a:lstStyle>
-          <a:p>
-            <a:r>
-              <a:rPr lang="en-US" dirty="0"/>
-              <a:t>result</a:t>
-            </a:r>
-          </a:p>
-        </p:txBody>
-      </p:sp>
-      <p:sp>
-        <p:nvSpPr>
-          <p:cNvPr id="83" name="TextBox 82"/>
-          <p:cNvSpPr txBox="1"/>
-          <p:nvPr/>
-        </p:nvSpPr>
-        <p:spPr>
-          <a:xfrm>
-            <a:off x="599983" y="5538488"/>
-            <a:ext cx="762000" cy="215444"/>
-          </a:xfrm>
-          <a:prstGeom prst="rect">
-            <a:avLst/>
-          </a:prstGeom>
-          <a:noFill/>
-        </p:spPr>
-        <p:txBody>
-          <a:bodyPr wrap="square" lIns="0" tIns="0" rIns="0" bIns="0" rtlCol="0">
-            <a:spAutoFit/>
-          </a:bodyPr>
-          <a:lstStyle>
-            <a:defPPr>
-              <a:defRPr lang="en-US"/>
-            </a:defPPr>
-            <a:lvl1pPr algn="r">
-              <a:defRPr sz="1400">
-                <a:solidFill>
-                  <a:srgbClr val="0070C0"/>
-                </a:solidFill>
-              </a:defRPr>
-            </a:lvl1pPr>
-          </a:lstStyle>
-          <a:p>
-            <a:r>
-              <a:rPr lang="en-US" dirty="0"/>
-              <a:t>result</a:t>
-            </a:r>
-          </a:p>
-        </p:txBody>
-      </p:sp>
-      <p:sp>
-        <p:nvSpPr>
-          <p:cNvPr id="84" name="Rectangle 62"/>
-          <p:cNvSpPr/>
-          <p:nvPr/>
-        </p:nvSpPr>
-        <p:spPr>
-          <a:xfrm>
-            <a:off x="7020246" y="4777286"/>
-            <a:ext cx="1590354" cy="461538"/>
-          </a:xfrm>
-          <a:prstGeom prst="rect">
-            <a:avLst/>
-          </a:prstGeom>
-          <a:solidFill>
-            <a:srgbClr val="0070C0"/>
-          </a:solidFill>
-          <a:ln w="19050">
-            <a:solidFill>
-              <a:srgbClr val="0070C0"/>
-            </a:solidFill>
-          </a:ln>
-          <a:effectLst/>
-        </p:spPr>
-        <p:style>
-          <a:lnRef idx="1">
-            <a:schemeClr val="accent2"/>
-          </a:lnRef>
-          <a:fillRef idx="2">
-            <a:schemeClr val="accent2"/>
-          </a:fillRef>
-          <a:effectRef idx="1">
-            <a:schemeClr val="accent2"/>
-          </a:effectRef>
-          <a:fontRef idx="minor">
-            <a:schemeClr val="dk1"/>
-          </a:fontRef>
-        </p:style>
-        <p:txBody>
-          <a:bodyPr rtlCol="0" anchor="ctr"/>
-          <a:lstStyle/>
-          <a:p>
-            <a:pPr algn="ctr"/>
-            <a:r>
-              <a:rPr lang="en-US" sz="1600" dirty="0" err="1">
-                <a:solidFill>
-                  <a:schemeClr val="bg1"/>
-                </a:solidFill>
-              </a:rPr>
-              <a:t>result:Command</a:t>
-            </a:r>
-            <a:r>
-              <a:rPr lang="en-US" sz="1600" dirty="0">
-                <a:solidFill>
-                  <a:schemeClr val="bg1"/>
-                </a:solidFill>
-              </a:rPr>
-              <a:t> Result</a:t>
-            </a:r>
-            <a:endParaRPr lang="en-SG" sz="1600" dirty="0">
-              <a:solidFill>
-                <a:schemeClr val="bg1"/>
-              </a:solidFill>
-            </a:endParaRPr>
-          </a:p>
-        </p:txBody>
-      </p:sp>
-      <p:sp>
-        <p:nvSpPr>
-          <p:cNvPr id="86" name="Rectangle 85"/>
-          <p:cNvSpPr/>
-          <p:nvPr/>
-        </p:nvSpPr>
-        <p:spPr>
-          <a:xfrm>
-            <a:off x="7777323" y="5238824"/>
-            <a:ext cx="152400" cy="171376"/>
-          </a:xfrm>
-          <a:prstGeom prst="rect">
-            <a:avLst/>
-          </a:prstGeom>
-          <a:solidFill>
-            <a:srgbClr val="0070C0"/>
-          </a:solidFill>
-          <a:ln>
-            <a:solidFill>
-              <a:srgbClr val="0070C0"/>
-            </a:solidFill>
-          </a:ln>
-          <a:effectLst/>
-        </p:spPr>
-        <p:style>
-          <a:lnRef idx="1">
-            <a:schemeClr val="accent3"/>
-          </a:lnRef>
-          <a:fillRef idx="2">
-            <a:schemeClr val="accent3"/>
-          </a:fillRef>
-          <a:effectRef idx="1">
-            <a:schemeClr val="accent3"/>
-          </a:effectRef>
-          <a:fontRef idx="minor">
-            <a:schemeClr val="dk1"/>
-          </a:fontRef>
-        </p:style>
-        <p:txBody>
-          <a:bodyPr rtlCol="0" anchor="ctr"/>
-          <a:lstStyle/>
-          <a:p>
-            <a:pPr algn="ctr"/>
-            <a:endParaRPr lang="en-SG" sz="1400"/>
-          </a:p>
-        </p:txBody>
-      </p:sp>
-      <p:cxnSp>
-        <p:nvCxnSpPr>
-          <p:cNvPr id="90" name="Straight Arrow Connector 89"/>
-          <p:cNvCxnSpPr/>
-          <p:nvPr/>
-        </p:nvCxnSpPr>
-        <p:spPr>
-          <a:xfrm>
-            <a:off x="6858000" y="5410200"/>
-            <a:ext cx="966624" cy="0"/>
-          </a:xfrm>
-          <a:prstGeom prst="straightConnector1">
-            <a:avLst/>
-          </a:prstGeom>
-          <a:ln w="19050">
-            <a:solidFill>
-              <a:srgbClr val="0070C0"/>
-            </a:solidFill>
-            <a:prstDash val="sysDash"/>
-            <a:headEnd type="arrow" w="med" len="med"/>
-            <a:tailEnd type="none" w="med" len="med"/>
-          </a:ln>
-        </p:spPr>
-        <p:style>
-          <a:lnRef idx="1">
-            <a:schemeClr val="accent1"/>
-          </a:lnRef>
-          <a:fillRef idx="0">
-            <a:schemeClr val="accent1"/>
-          </a:fillRef>
-          <a:effectRef idx="0">
-            <a:schemeClr val="accent1"/>
-          </a:effectRef>
-          <a:fontRef idx="minor">
-            <a:schemeClr val="tx1"/>
-          </a:fontRef>
-        </p:style>
-      </p:cxnSp>
-      <p:sp>
-        <p:nvSpPr>
-          <p:cNvPr id="93" name="TextBox 92"/>
-          <p:cNvSpPr txBox="1"/>
-          <p:nvPr/>
-        </p:nvSpPr>
-        <p:spPr>
-          <a:xfrm>
-            <a:off x="2673845" y="4027787"/>
-            <a:ext cx="220343" cy="215444"/>
-          </a:xfrm>
-          <a:prstGeom prst="rect">
-            <a:avLst/>
-          </a:prstGeom>
-          <a:noFill/>
-        </p:spPr>
-        <p:txBody>
-          <a:bodyPr wrap="square" lIns="0" tIns="0" rIns="0" bIns="0" rtlCol="0">
-            <a:spAutoFit/>
-          </a:bodyPr>
-          <a:lstStyle>
-            <a:defPPr>
-              <a:defRPr lang="en-US"/>
-            </a:defPPr>
-            <a:lvl1pPr algn="r">
-              <a:defRPr sz="1400">
-                <a:solidFill>
-                  <a:srgbClr val="0070C0"/>
-                </a:solidFill>
-              </a:defRPr>
-            </a:lvl1pPr>
-          </a:lstStyle>
-          <a:p>
-            <a:r>
-              <a:rPr lang="en-US" dirty="0"/>
-              <a:t>d</a:t>
-            </a:r>
-          </a:p>
-        </p:txBody>
-      </p:sp>
-      <p:sp>
-        <p:nvSpPr>
-          <p:cNvPr id="40" name="Rectangle 62"/>
-          <p:cNvSpPr/>
-          <p:nvPr/>
-        </p:nvSpPr>
-        <p:spPr>
-          <a:xfrm>
-            <a:off x="4231981" y="2929839"/>
-            <a:ext cx="1778201" cy="432035"/>
-          </a:xfrm>
-          <a:prstGeom prst="rect">
-            <a:avLst/>
-          </a:prstGeom>
-          <a:solidFill>
-            <a:srgbClr val="0070C0"/>
-          </a:solidFill>
-          <a:ln w="19050">
-            <a:solidFill>
-              <a:srgbClr val="0070C0"/>
-            </a:solidFill>
-          </a:ln>
-          <a:effectLst/>
-        </p:spPr>
-        <p:style>
-          <a:lnRef idx="1">
-            <a:schemeClr val="accent2"/>
-          </a:lnRef>
-          <a:fillRef idx="2">
-            <a:schemeClr val="accent2"/>
-          </a:fillRef>
-          <a:effectRef idx="1">
-            <a:schemeClr val="accent2"/>
-          </a:effectRef>
-          <a:fontRef idx="minor">
-            <a:schemeClr val="dk1"/>
-          </a:fontRef>
-        </p:style>
-        <p:txBody>
-          <a:bodyPr rtlCol="0" anchor="ctr"/>
-          <a:lstStyle/>
-          <a:p>
-            <a:pPr algn="ctr"/>
-            <a:r>
-              <a:rPr lang="en-US" sz="1600" dirty="0">
-                <a:solidFill>
-                  <a:schemeClr val="bg1"/>
-                </a:solidFill>
-              </a:rPr>
-              <a:t>:</a:t>
-            </a:r>
-            <a:r>
-              <a:rPr lang="en-US" sz="1600" dirty="0" err="1">
-                <a:solidFill>
-                  <a:schemeClr val="bg1"/>
-                </a:solidFill>
-              </a:rPr>
-              <a:t>DeleteCommand</a:t>
-            </a:r>
-            <a:endParaRPr lang="en-US" sz="1600" dirty="0">
-              <a:solidFill>
-                <a:schemeClr val="bg1"/>
-              </a:solidFill>
-            </a:endParaRPr>
-          </a:p>
-          <a:p>
-            <a:pPr algn="ctr"/>
-            <a:r>
-              <a:rPr lang="en-US" sz="1600" dirty="0">
-                <a:solidFill>
-                  <a:schemeClr val="bg1"/>
-                </a:solidFill>
-              </a:rPr>
-              <a:t>Parser</a:t>
-            </a:r>
-            <a:endParaRPr lang="en-SG" sz="1600" dirty="0">
-              <a:solidFill>
-                <a:schemeClr val="bg1"/>
-              </a:solidFill>
-            </a:endParaRPr>
-          </a:p>
-        </p:txBody>
-      </p:sp>
-      <p:cxnSp>
-        <p:nvCxnSpPr>
-          <p:cNvPr id="8" name="Straight Arrow Connector 7"/>
-          <p:cNvCxnSpPr/>
-          <p:nvPr/>
-        </p:nvCxnSpPr>
-        <p:spPr>
-          <a:xfrm>
-            <a:off x="3462591" y="3657600"/>
-            <a:ext cx="1597356" cy="1"/>
-          </a:xfrm>
-          <a:prstGeom prst="straightConnector1">
-            <a:avLst/>
-          </a:prstGeom>
-          <a:ln w="19050">
-            <a:headEnd type="none" w="med" len="med"/>
-            <a:tailEnd type="arrow" w="med" len="med"/>
-          </a:ln>
-        </p:spPr>
-        <p:style>
-          <a:lnRef idx="1">
-            <a:schemeClr val="accent1"/>
-          </a:lnRef>
-          <a:fillRef idx="0">
-            <a:schemeClr val="accent1"/>
-          </a:fillRef>
-          <a:effectRef idx="0">
-            <a:schemeClr val="accent1"/>
-          </a:effectRef>
-          <a:fontRef idx="minor">
-            <a:schemeClr val="tx1"/>
-          </a:fontRef>
-        </p:style>
-      </p:cxnSp>
-      <p:sp>
-        <p:nvSpPr>
-          <p:cNvPr id="45" name="Rectangle 44"/>
-          <p:cNvSpPr/>
-          <p:nvPr/>
-        </p:nvSpPr>
-        <p:spPr>
-          <a:xfrm>
-            <a:off x="5059947" y="3352800"/>
-            <a:ext cx="205843" cy="123165"/>
-          </a:xfrm>
-          <a:prstGeom prst="rect">
-            <a:avLst/>
-          </a:prstGeom>
-          <a:solidFill>
-            <a:srgbClr val="0070C0"/>
-          </a:solidFill>
-          <a:ln>
-            <a:solidFill>
-              <a:srgbClr val="0070C0"/>
-            </a:solidFill>
-          </a:ln>
-          <a:effectLst/>
-        </p:spPr>
-        <p:style>
-          <a:lnRef idx="1">
-            <a:schemeClr val="accent3"/>
-          </a:lnRef>
-          <a:fillRef idx="2">
-            <a:schemeClr val="accent3"/>
-          </a:fillRef>
-          <a:effectRef idx="1">
-            <a:schemeClr val="accent3"/>
-          </a:effectRef>
-          <a:fontRef idx="minor">
-            <a:schemeClr val="dk1"/>
-          </a:fontRef>
-        </p:style>
-        <p:txBody>
-          <a:bodyPr rtlCol="0" anchor="ctr"/>
-          <a:lstStyle/>
-          <a:p>
-            <a:pPr algn="ctr"/>
-            <a:endParaRPr lang="en-SG" sz="1400"/>
-          </a:p>
-        </p:txBody>
-      </p:sp>
-      <p:cxnSp>
-        <p:nvCxnSpPr>
-          <p:cNvPr id="46" name="Straight Connector 45"/>
-          <p:cNvCxnSpPr>
-            <a:stCxn id="45" idx="0"/>
-          </p:cNvCxnSpPr>
-          <p:nvPr/>
-        </p:nvCxnSpPr>
-        <p:spPr>
-          <a:xfrm>
-            <a:off x="5162869" y="3352800"/>
-            <a:ext cx="0" cy="990600"/>
-          </a:xfrm>
-          <a:prstGeom prst="line">
-            <a:avLst/>
-          </a:prstGeom>
-          <a:ln w="19050">
-            <a:solidFill>
-              <a:srgbClr val="0070C0"/>
-            </a:solidFill>
-            <a:prstDash val="sysDash"/>
-          </a:ln>
-          <a:effectLst/>
-        </p:spPr>
-        <p:style>
-          <a:lnRef idx="1">
-            <a:schemeClr val="accent1"/>
-          </a:lnRef>
-          <a:fillRef idx="2">
-            <a:schemeClr val="accent1"/>
-          </a:fillRef>
-          <a:effectRef idx="1">
-            <a:schemeClr val="accent1"/>
-          </a:effectRef>
-          <a:fontRef idx="minor">
-            <a:schemeClr val="dk1"/>
-          </a:fontRef>
-        </p:style>
-      </p:cxnSp>
-      <p:sp>
-        <p:nvSpPr>
-          <p:cNvPr id="49" name="Rectangle 48"/>
-          <p:cNvSpPr/>
-          <p:nvPr/>
-        </p:nvSpPr>
-        <p:spPr>
-          <a:xfrm>
-            <a:off x="5059947" y="3657601"/>
-            <a:ext cx="205843" cy="533400"/>
-          </a:xfrm>
-          <a:prstGeom prst="rect">
-            <a:avLst/>
-          </a:prstGeom>
-          <a:solidFill>
-            <a:srgbClr val="0070C0"/>
-          </a:solidFill>
-          <a:ln>
-            <a:solidFill>
-              <a:srgbClr val="0070C0"/>
-            </a:solidFill>
-          </a:ln>
-          <a:effectLst/>
-        </p:spPr>
-        <p:style>
-          <a:lnRef idx="1">
-            <a:schemeClr val="accent3"/>
-          </a:lnRef>
-          <a:fillRef idx="2">
-            <a:schemeClr val="accent3"/>
-          </a:fillRef>
-          <a:effectRef idx="1">
-            <a:schemeClr val="accent3"/>
-          </a:effectRef>
-          <a:fontRef idx="minor">
-            <a:schemeClr val="dk1"/>
-          </a:fontRef>
-        </p:style>
-        <p:txBody>
-          <a:bodyPr rtlCol="0" anchor="ctr"/>
-          <a:lstStyle/>
-          <a:p>
-            <a:pPr algn="ctr"/>
-            <a:endParaRPr lang="en-SG" sz="1400"/>
-          </a:p>
-        </p:txBody>
-      </p:sp>
-      <p:cxnSp>
-        <p:nvCxnSpPr>
-          <p:cNvPr id="51" name="Straight Arrow Connector 50"/>
-          <p:cNvCxnSpPr/>
-          <p:nvPr/>
-        </p:nvCxnSpPr>
-        <p:spPr>
-          <a:xfrm>
-            <a:off x="3499382" y="4185073"/>
-            <a:ext cx="1667219" cy="0"/>
-          </a:xfrm>
-          <a:prstGeom prst="straightConnector1">
-            <a:avLst/>
-          </a:prstGeom>
-          <a:ln w="19050">
-            <a:solidFill>
-              <a:srgbClr val="0070C0"/>
-            </a:solidFill>
-            <a:prstDash val="sysDash"/>
-            <a:headEnd type="arrow" w="med" len="med"/>
-            <a:tailEnd type="none" w="med" len="med"/>
-          </a:ln>
-        </p:spPr>
-        <p:style>
-          <a:lnRef idx="1">
-            <a:schemeClr val="accent1"/>
-          </a:lnRef>
-          <a:fillRef idx="0">
-            <a:schemeClr val="accent1"/>
-          </a:fillRef>
-          <a:effectRef idx="0">
-            <a:schemeClr val="accent1"/>
-          </a:effectRef>
-          <a:fontRef idx="minor">
-            <a:schemeClr val="tx1"/>
-          </a:fontRef>
-        </p:style>
-      </p:cxnSp>
-      <p:cxnSp>
-        <p:nvCxnSpPr>
-          <p:cNvPr id="13" name="Straight Arrow Connector 12"/>
-          <p:cNvCxnSpPr/>
-          <p:nvPr/>
-        </p:nvCxnSpPr>
-        <p:spPr>
-          <a:xfrm>
-            <a:off x="6858000" y="5029200"/>
-            <a:ext cx="162246" cy="0"/>
-          </a:xfrm>
-          <a:prstGeom prst="straightConnector1">
-            <a:avLst/>
-          </a:prstGeom>
-          <a:ln w="19050">
-            <a:headEnd type="none" w="med" len="med"/>
-            <a:tailEnd type="arrow" w="med" len="med"/>
-          </a:ln>
-        </p:spPr>
-        <p:style>
-          <a:lnRef idx="1">
-            <a:schemeClr val="accent1"/>
-          </a:lnRef>
-          <a:fillRef idx="0">
-            <a:schemeClr val="accent1"/>
-          </a:fillRef>
-          <a:effectRef idx="0">
-            <a:schemeClr val="accent1"/>
-          </a:effectRef>
-          <a:fontRef idx="minor">
-            <a:schemeClr val="tx1"/>
-          </a:fontRef>
-        </p:style>
-      </p:cxnSp>
-      <p:cxnSp>
-        <p:nvCxnSpPr>
-          <p:cNvPr id="50" name="Straight Arrow Connector 49"/>
-          <p:cNvCxnSpPr/>
-          <p:nvPr/>
-        </p:nvCxnSpPr>
-        <p:spPr>
-          <a:xfrm>
-            <a:off x="3412425" y="3173004"/>
-            <a:ext cx="819556" cy="1"/>
-          </a:xfrm>
-          <a:prstGeom prst="straightConnector1">
-            <a:avLst/>
-          </a:prstGeom>
-          <a:ln w="19050">
-            <a:solidFill>
-              <a:srgbClr val="0070C0"/>
-            </a:solidFill>
-            <a:tailEnd type="arrow"/>
-          </a:ln>
-        </p:spPr>
-        <p:style>
-          <a:lnRef idx="1">
-            <a:schemeClr val="accent1"/>
-          </a:lnRef>
-          <a:fillRef idx="0">
-            <a:schemeClr val="accent1"/>
-          </a:fillRef>
-          <a:effectRef idx="0">
-            <a:schemeClr val="accent1"/>
-          </a:effectRef>
-          <a:fontRef idx="minor">
-            <a:schemeClr val="tx1"/>
-          </a:fontRef>
-        </p:style>
-      </p:cxnSp>
-      <p:cxnSp>
-        <p:nvCxnSpPr>
-          <p:cNvPr id="52" name="Straight Arrow Connector 51"/>
-          <p:cNvCxnSpPr/>
-          <p:nvPr/>
-        </p:nvCxnSpPr>
-        <p:spPr>
-          <a:xfrm>
-            <a:off x="3459519" y="3475965"/>
-            <a:ext cx="1600428" cy="0"/>
-          </a:xfrm>
-          <a:prstGeom prst="straightConnector1">
-            <a:avLst/>
-          </a:prstGeom>
-          <a:ln w="19050">
-            <a:solidFill>
-              <a:srgbClr val="0070C0"/>
-            </a:solidFill>
-            <a:prstDash val="sysDash"/>
-            <a:headEnd type="arrow" w="med" len="med"/>
-            <a:tailEnd type="none" w="med" len="med"/>
-          </a:ln>
-        </p:spPr>
-        <p:style>
-          <a:lnRef idx="1">
-            <a:schemeClr val="accent1"/>
-          </a:lnRef>
-          <a:fillRef idx="0">
-            <a:schemeClr val="accent1"/>
-          </a:fillRef>
-          <a:effectRef idx="0">
-            <a:schemeClr val="accent1"/>
-          </a:effectRef>
-          <a:fontRef idx="minor">
-            <a:schemeClr val="tx1"/>
-          </a:fontRef>
-        </p:style>
-      </p:cxnSp>
-      <p:sp>
-        <p:nvSpPr>
-          <p:cNvPr id="4" name="TextBox 3"/>
-          <p:cNvSpPr txBox="1"/>
-          <p:nvPr/>
-        </p:nvSpPr>
-        <p:spPr>
-          <a:xfrm>
-            <a:off x="5033665" y="4199590"/>
-            <a:ext cx="258404" cy="261610"/>
-          </a:xfrm>
-          <a:prstGeom prst="rect">
-            <a:avLst/>
-          </a:prstGeom>
-          <a:noFill/>
-        </p:spPr>
-        <p:txBody>
-          <a:bodyPr wrap="none" rtlCol="0">
-            <a:spAutoFit/>
-          </a:bodyPr>
-          <a:lstStyle/>
-          <a:p>
-            <a:r>
-              <a:rPr lang="en-SG" sz="1100" dirty="0">
-                <a:solidFill>
-                  <a:srgbClr val="002060"/>
-                </a:solidFill>
-              </a:rPr>
-              <a:t>X</a:t>
-            </a:r>
-          </a:p>
-        </p:txBody>
-      </p:sp>
+      </p:pic>
     </p:spTree>
     <p:extLst>
       <p:ext uri="{BB962C8B-B14F-4D97-AF65-F5344CB8AC3E}">

--- a/docs/diagrams/LogicComponentSequenceDiagram.pptx
+++ b/docs/diagrams/LogicComponentSequenceDiagram.pptx
@@ -126,10 +126,6 @@
 </p:presentation>
 </file>
 
-<file path=ppt/revisionInfo.xml><?xml version="1.0" encoding="utf-8"?>
-<p1510:revInfo xmlns:a="http://schemas.openxmlformats.org/drawingml/2006/main" xmlns:r="http://schemas.openxmlformats.org/officeDocument/2006/relationships" xmlns:p1510="http://schemas.microsoft.com/office/powerpoint/2015/10/main"/>
-</file>
-
 <file path=ppt/notesMasters/notesMaster1.xml><?xml version="1.0" encoding="utf-8"?>
 <p:notesMaster xmlns:a="http://schemas.openxmlformats.org/drawingml/2006/main" xmlns:r="http://schemas.openxmlformats.org/officeDocument/2006/relationships" xmlns:p="http://schemas.openxmlformats.org/presentationml/2006/main">
   <p:cSld>
@@ -179,7 +175,7 @@
             </a:lvl1pPr>
           </a:lstStyle>
           <a:p>
-            <a:endParaRPr lang="en-US"/>
+            <a:endParaRPr lang="en-US" dirty="0"/>
           </a:p>
         </p:txBody>
       </p:sp>
@@ -212,9 +208,9 @@
           <a:p>
             <a:fld id="{F5CC4B3F-88C1-4FFA-B1B6-F41C21DC6924}" type="datetimeFigureOut">
               <a:rPr lang="en-US" smtClean="0"/>
-              <a:t>7/11/2017</a:t>
+              <a:t>11/11/2018</a:t>
             </a:fld>
-            <a:endParaRPr lang="en-US"/>
+            <a:endParaRPr lang="en-US" dirty="0"/>
           </a:p>
         </p:txBody>
       </p:sp>
@@ -247,7 +243,7 @@
           <a:bodyPr vert="horz" lIns="91440" tIns="45720" rIns="91440" bIns="45720" rtlCol="0" anchor="ctr"/>
           <a:lstStyle/>
           <a:p>
-            <a:endParaRPr lang="en-US"/>
+            <a:endParaRPr lang="en-US" dirty="0"/>
           </a:p>
         </p:txBody>
       </p:sp>
@@ -337,7 +333,7 @@
             </a:lvl1pPr>
           </a:lstStyle>
           <a:p>
-            <a:endParaRPr lang="en-US"/>
+            <a:endParaRPr lang="en-US" dirty="0"/>
           </a:p>
         </p:txBody>
       </p:sp>
@@ -372,7 +368,7 @@
               <a:rPr lang="en-US" smtClean="0"/>
               <a:t>‹#›</a:t>
             </a:fld>
-            <a:endParaRPr lang="en-US"/>
+            <a:endParaRPr lang="en-US" dirty="0"/>
           </a:p>
         </p:txBody>
       </p:sp>
@@ -658,9 +654,9 @@
           <a:p>
             <a:fld id="{78C97017-6FC3-485B-9764-EAC9E56C1D49}" type="datetimeFigureOut">
               <a:rPr lang="en-US" smtClean="0"/>
-              <a:t>7/11/2017</a:t>
+              <a:t>11/11/2018</a:t>
             </a:fld>
-            <a:endParaRPr lang="en-US"/>
+            <a:endParaRPr lang="en-US" dirty="0"/>
           </a:p>
         </p:txBody>
       </p:sp>
@@ -679,7 +675,7 @@
           <a:bodyPr/>
           <a:lstStyle/>
           <a:p>
-            <a:endParaRPr lang="en-US"/>
+            <a:endParaRPr lang="en-US" dirty="0"/>
           </a:p>
         </p:txBody>
       </p:sp>
@@ -702,7 +698,7 @@
               <a:rPr lang="en-US" smtClean="0"/>
               <a:t>‹#›</a:t>
             </a:fld>
-            <a:endParaRPr lang="en-US"/>
+            <a:endParaRPr lang="en-US" dirty="0"/>
           </a:p>
         </p:txBody>
       </p:sp>
@@ -826,9 +822,9 @@
           <a:p>
             <a:fld id="{78C97017-6FC3-485B-9764-EAC9E56C1D49}" type="datetimeFigureOut">
               <a:rPr lang="en-US" smtClean="0"/>
-              <a:t>7/11/2017</a:t>
+              <a:t>11/11/2018</a:t>
             </a:fld>
-            <a:endParaRPr lang="en-US"/>
+            <a:endParaRPr lang="en-US" dirty="0"/>
           </a:p>
         </p:txBody>
       </p:sp>
@@ -847,7 +843,7 @@
           <a:bodyPr/>
           <a:lstStyle/>
           <a:p>
-            <a:endParaRPr lang="en-US"/>
+            <a:endParaRPr lang="en-US" dirty="0"/>
           </a:p>
         </p:txBody>
       </p:sp>
@@ -870,7 +866,7 @@
               <a:rPr lang="en-US" smtClean="0"/>
               <a:t>‹#›</a:t>
             </a:fld>
-            <a:endParaRPr lang="en-US"/>
+            <a:endParaRPr lang="en-US" dirty="0"/>
           </a:p>
         </p:txBody>
       </p:sp>
@@ -1004,9 +1000,9 @@
           <a:p>
             <a:fld id="{78C97017-6FC3-485B-9764-EAC9E56C1D49}" type="datetimeFigureOut">
               <a:rPr lang="en-US" smtClean="0"/>
-              <a:t>7/11/2017</a:t>
+              <a:t>11/11/2018</a:t>
             </a:fld>
-            <a:endParaRPr lang="en-US"/>
+            <a:endParaRPr lang="en-US" dirty="0"/>
           </a:p>
         </p:txBody>
       </p:sp>
@@ -1025,7 +1021,7 @@
           <a:bodyPr/>
           <a:lstStyle/>
           <a:p>
-            <a:endParaRPr lang="en-US"/>
+            <a:endParaRPr lang="en-US" dirty="0"/>
           </a:p>
         </p:txBody>
       </p:sp>
@@ -1048,7 +1044,7 @@
               <a:rPr lang="en-US" smtClean="0"/>
               <a:t>‹#›</a:t>
             </a:fld>
-            <a:endParaRPr lang="en-US"/>
+            <a:endParaRPr lang="en-US" dirty="0"/>
           </a:p>
         </p:txBody>
       </p:sp>
@@ -1172,9 +1168,9 @@
           <a:p>
             <a:fld id="{78C97017-6FC3-485B-9764-EAC9E56C1D49}" type="datetimeFigureOut">
               <a:rPr lang="en-US" smtClean="0"/>
-              <a:t>7/11/2017</a:t>
+              <a:t>11/11/2018</a:t>
             </a:fld>
-            <a:endParaRPr lang="en-US"/>
+            <a:endParaRPr lang="en-US" dirty="0"/>
           </a:p>
         </p:txBody>
       </p:sp>
@@ -1193,7 +1189,7 @@
           <a:bodyPr/>
           <a:lstStyle/>
           <a:p>
-            <a:endParaRPr lang="en-US"/>
+            <a:endParaRPr lang="en-US" dirty="0"/>
           </a:p>
         </p:txBody>
       </p:sp>
@@ -1216,7 +1212,7 @@
               <a:rPr lang="en-US" smtClean="0"/>
               <a:t>‹#›</a:t>
             </a:fld>
-            <a:endParaRPr lang="en-US"/>
+            <a:endParaRPr lang="en-US" dirty="0"/>
           </a:p>
         </p:txBody>
       </p:sp>
@@ -1417,9 +1413,9 @@
           <a:p>
             <a:fld id="{78C97017-6FC3-485B-9764-EAC9E56C1D49}" type="datetimeFigureOut">
               <a:rPr lang="en-US" smtClean="0"/>
-              <a:t>7/11/2017</a:t>
+              <a:t>11/11/2018</a:t>
             </a:fld>
-            <a:endParaRPr lang="en-US"/>
+            <a:endParaRPr lang="en-US" dirty="0"/>
           </a:p>
         </p:txBody>
       </p:sp>
@@ -1438,7 +1434,7 @@
           <a:bodyPr/>
           <a:lstStyle/>
           <a:p>
-            <a:endParaRPr lang="en-US"/>
+            <a:endParaRPr lang="en-US" dirty="0"/>
           </a:p>
         </p:txBody>
       </p:sp>
@@ -1461,7 +1457,7 @@
               <a:rPr lang="en-US" smtClean="0"/>
               <a:t>‹#›</a:t>
             </a:fld>
-            <a:endParaRPr lang="en-US"/>
+            <a:endParaRPr lang="en-US" dirty="0"/>
           </a:p>
         </p:txBody>
       </p:sp>
@@ -1702,9 +1698,9 @@
           <a:p>
             <a:fld id="{78C97017-6FC3-485B-9764-EAC9E56C1D49}" type="datetimeFigureOut">
               <a:rPr lang="en-US" smtClean="0"/>
-              <a:t>7/11/2017</a:t>
+              <a:t>11/11/2018</a:t>
             </a:fld>
-            <a:endParaRPr lang="en-US"/>
+            <a:endParaRPr lang="en-US" dirty="0"/>
           </a:p>
         </p:txBody>
       </p:sp>
@@ -1723,7 +1719,7 @@
           <a:bodyPr/>
           <a:lstStyle/>
           <a:p>
-            <a:endParaRPr lang="en-US"/>
+            <a:endParaRPr lang="en-US" dirty="0"/>
           </a:p>
         </p:txBody>
       </p:sp>
@@ -1746,7 +1742,7 @@
               <a:rPr lang="en-US" smtClean="0"/>
               <a:t>‹#›</a:t>
             </a:fld>
-            <a:endParaRPr lang="en-US"/>
+            <a:endParaRPr lang="en-US" dirty="0"/>
           </a:p>
         </p:txBody>
       </p:sp>
@@ -2121,9 +2117,9 @@
           <a:p>
             <a:fld id="{78C97017-6FC3-485B-9764-EAC9E56C1D49}" type="datetimeFigureOut">
               <a:rPr lang="en-US" smtClean="0"/>
-              <a:t>7/11/2017</a:t>
+              <a:t>11/11/2018</a:t>
             </a:fld>
-            <a:endParaRPr lang="en-US"/>
+            <a:endParaRPr lang="en-US" dirty="0"/>
           </a:p>
         </p:txBody>
       </p:sp>
@@ -2142,7 +2138,7 @@
           <a:bodyPr/>
           <a:lstStyle/>
           <a:p>
-            <a:endParaRPr lang="en-US"/>
+            <a:endParaRPr lang="en-US" dirty="0"/>
           </a:p>
         </p:txBody>
       </p:sp>
@@ -2165,7 +2161,7 @@
               <a:rPr lang="en-US" smtClean="0"/>
               <a:t>‹#›</a:t>
             </a:fld>
-            <a:endParaRPr lang="en-US"/>
+            <a:endParaRPr lang="en-US" dirty="0"/>
           </a:p>
         </p:txBody>
       </p:sp>
@@ -2238,9 +2234,9 @@
           <a:p>
             <a:fld id="{78C97017-6FC3-485B-9764-EAC9E56C1D49}" type="datetimeFigureOut">
               <a:rPr lang="en-US" smtClean="0"/>
-              <a:t>7/11/2017</a:t>
+              <a:t>11/11/2018</a:t>
             </a:fld>
-            <a:endParaRPr lang="en-US"/>
+            <a:endParaRPr lang="en-US" dirty="0"/>
           </a:p>
         </p:txBody>
       </p:sp>
@@ -2259,7 +2255,7 @@
           <a:bodyPr/>
           <a:lstStyle/>
           <a:p>
-            <a:endParaRPr lang="en-US"/>
+            <a:endParaRPr lang="en-US" dirty="0"/>
           </a:p>
         </p:txBody>
       </p:sp>
@@ -2282,7 +2278,7 @@
               <a:rPr lang="en-US" smtClean="0"/>
               <a:t>‹#›</a:t>
             </a:fld>
-            <a:endParaRPr lang="en-US"/>
+            <a:endParaRPr lang="en-US" dirty="0"/>
           </a:p>
         </p:txBody>
       </p:sp>
@@ -2333,9 +2329,9 @@
           <a:p>
             <a:fld id="{78C97017-6FC3-485B-9764-EAC9E56C1D49}" type="datetimeFigureOut">
               <a:rPr lang="en-US" smtClean="0"/>
-              <a:t>7/11/2017</a:t>
+              <a:t>11/11/2018</a:t>
             </a:fld>
-            <a:endParaRPr lang="en-US"/>
+            <a:endParaRPr lang="en-US" dirty="0"/>
           </a:p>
         </p:txBody>
       </p:sp>
@@ -2354,7 +2350,7 @@
           <a:bodyPr/>
           <a:lstStyle/>
           <a:p>
-            <a:endParaRPr lang="en-US"/>
+            <a:endParaRPr lang="en-US" dirty="0"/>
           </a:p>
         </p:txBody>
       </p:sp>
@@ -2377,7 +2373,7 @@
               <a:rPr lang="en-US" smtClean="0"/>
               <a:t>‹#›</a:t>
             </a:fld>
-            <a:endParaRPr lang="en-US"/>
+            <a:endParaRPr lang="en-US" dirty="0"/>
           </a:p>
         </p:txBody>
       </p:sp>
@@ -2608,9 +2604,9 @@
           <a:p>
             <a:fld id="{78C97017-6FC3-485B-9764-EAC9E56C1D49}" type="datetimeFigureOut">
               <a:rPr lang="en-US" smtClean="0"/>
-              <a:t>7/11/2017</a:t>
+              <a:t>11/11/2018</a:t>
             </a:fld>
-            <a:endParaRPr lang="en-US"/>
+            <a:endParaRPr lang="en-US" dirty="0"/>
           </a:p>
         </p:txBody>
       </p:sp>
@@ -2629,7 +2625,7 @@
           <a:bodyPr/>
           <a:lstStyle/>
           <a:p>
-            <a:endParaRPr lang="en-US"/>
+            <a:endParaRPr lang="en-US" dirty="0"/>
           </a:p>
         </p:txBody>
       </p:sp>
@@ -2652,7 +2648,7 @@
               <a:rPr lang="en-US" smtClean="0"/>
               <a:t>‹#›</a:t>
             </a:fld>
-            <a:endParaRPr lang="en-US"/>
+            <a:endParaRPr lang="en-US" dirty="0"/>
           </a:p>
         </p:txBody>
       </p:sp>
@@ -2774,7 +2770,7 @@
             </a:lvl9pPr>
           </a:lstStyle>
           <a:p>
-            <a:endParaRPr lang="en-US"/>
+            <a:endParaRPr lang="en-US" dirty="0"/>
           </a:p>
         </p:txBody>
       </p:sp>
@@ -2860,9 +2856,9 @@
           <a:p>
             <a:fld id="{78C97017-6FC3-485B-9764-EAC9E56C1D49}" type="datetimeFigureOut">
               <a:rPr lang="en-US" smtClean="0"/>
-              <a:t>7/11/2017</a:t>
+              <a:t>11/11/2018</a:t>
             </a:fld>
-            <a:endParaRPr lang="en-US"/>
+            <a:endParaRPr lang="en-US" dirty="0"/>
           </a:p>
         </p:txBody>
       </p:sp>
@@ -2881,7 +2877,7 @@
           <a:bodyPr/>
           <a:lstStyle/>
           <a:p>
-            <a:endParaRPr lang="en-US"/>
+            <a:endParaRPr lang="en-US" dirty="0"/>
           </a:p>
         </p:txBody>
       </p:sp>
@@ -2904,7 +2900,7 @@
               <a:rPr lang="en-US" smtClean="0"/>
               <a:t>‹#›</a:t>
             </a:fld>
-            <a:endParaRPr lang="en-US"/>
+            <a:endParaRPr lang="en-US" dirty="0"/>
           </a:p>
         </p:txBody>
       </p:sp>
@@ -3071,9 +3067,9 @@
           <a:p>
             <a:fld id="{78C97017-6FC3-485B-9764-EAC9E56C1D49}" type="datetimeFigureOut">
               <a:rPr lang="en-US" smtClean="0"/>
-              <a:t>7/11/2017</a:t>
+              <a:t>11/11/2018</a:t>
             </a:fld>
-            <a:endParaRPr lang="en-US"/>
+            <a:endParaRPr lang="en-US" dirty="0"/>
           </a:p>
         </p:txBody>
       </p:sp>
@@ -3110,7 +3106,7 @@
             </a:lvl1pPr>
           </a:lstStyle>
           <a:p>
-            <a:endParaRPr lang="en-US"/>
+            <a:endParaRPr lang="en-US" dirty="0"/>
           </a:p>
         </p:txBody>
       </p:sp>
@@ -3151,7 +3147,7 @@
               <a:rPr lang="en-US" smtClean="0"/>
               <a:t>‹#›</a:t>
             </a:fld>
-            <a:endParaRPr lang="en-US"/>
+            <a:endParaRPr lang="en-US" dirty="0"/>
           </a:p>
         </p:txBody>
       </p:sp>
@@ -3556,15 +3552,7 @@
                   <a:schemeClr val="bg1"/>
                 </a:solidFill>
               </a:rPr>
-              <a:t>:</a:t>
-            </a:r>
-            <a:r>
-              <a:rPr lang="en-US" sz="1600" dirty="0" err="1">
-                <a:solidFill>
-                  <a:schemeClr val="bg1"/>
-                </a:solidFill>
-              </a:rPr>
-              <a:t>LogicManager</a:t>
+              <a:t>:LogicManager</a:t>
             </a:r>
             <a:endParaRPr lang="en-SG" sz="1600" dirty="0">
               <a:solidFill>
@@ -3654,7 +3642,7 @@
           <a:lstStyle/>
           <a:p>
             <a:pPr algn="ctr"/>
-            <a:endParaRPr lang="en-SG" sz="1400"/>
+            <a:endParaRPr lang="en-SG" sz="1400" dirty="0"/>
           </a:p>
         </p:txBody>
       </p:sp>
@@ -3713,7 +3701,7 @@
           <a:p>
             <a:pPr algn="ctr"/>
             <a:r>
-              <a:rPr lang="en-US" sz="1600" dirty="0" err="1">
+              <a:rPr lang="en-US" sz="1600" dirty="0">
                 <a:solidFill>
                   <a:schemeClr val="bg1"/>
                 </a:solidFill>
@@ -3808,7 +3796,7 @@
           <a:lstStyle/>
           <a:p>
             <a:pPr algn="ctr"/>
-            <a:endParaRPr lang="en-SG" sz="1400">
+            <a:endParaRPr lang="en-SG" sz="1400" dirty="0">
               <a:solidFill>
                 <a:schemeClr val="dk1"/>
               </a:solidFill>
@@ -3824,8 +3812,8 @@
         </p:nvSpPr>
         <p:spPr>
           <a:xfrm>
-            <a:off x="6221565" y="3312740"/>
-            <a:ext cx="1093635" cy="461538"/>
+            <a:off x="6194598" y="3332199"/>
+            <a:ext cx="1246010" cy="439915"/>
           </a:xfrm>
           <a:prstGeom prst="rect">
             <a:avLst/>
@@ -3865,7 +3853,7 @@
                   <a:schemeClr val="bg1"/>
                 </a:solidFill>
               </a:rPr>
-              <a:t>d:Delete</a:t>
+              <a:t>d:DeleteTask</a:t>
             </a:r>
             <a:br>
               <a:rPr lang="en-US" sz="1600" dirty="0">
@@ -3972,7 +3960,7 @@
           <a:lstStyle/>
           <a:p>
             <a:pPr algn="ctr"/>
-            <a:endParaRPr lang="en-SG" sz="1400"/>
+            <a:endParaRPr lang="en-SG" sz="1400" dirty="0"/>
           </a:p>
         </p:txBody>
       </p:sp>
@@ -4416,7 +4404,7 @@
           <a:lstStyle/>
           <a:p>
             <a:pPr algn="ctr"/>
-            <a:endParaRPr lang="en-SG" sz="1400"/>
+            <a:endParaRPr lang="en-SG" sz="1400" dirty="0"/>
           </a:p>
         </p:txBody>
       </p:sp>
@@ -4509,7 +4497,7 @@
           <a:lstStyle/>
           <a:p>
             <a:pPr algn="ctr"/>
-            <a:endParaRPr lang="en-SG" sz="1400">
+            <a:endParaRPr lang="en-SG" sz="1400" dirty="0">
               <a:solidFill>
                 <a:schemeClr val="dk1"/>
               </a:solidFill>
@@ -4666,20 +4654,12 @@
           </a:lstStyle>
           <a:p>
             <a:r>
-              <a:rPr lang="en-US" dirty="0" err="1">
-                <a:solidFill>
-                  <a:srgbClr val="7030A0"/>
-                </a:solidFill>
-              </a:rPr>
-              <a:t>deletePerson</a:t>
-            </a:r>
-            <a:r>
               <a:rPr lang="en-US" dirty="0">
                 <a:solidFill>
                   <a:srgbClr val="7030A0"/>
                 </a:solidFill>
               </a:rPr>
-              <a:t>(p)</a:t>
+              <a:t>deleteTask(t)</a:t>
             </a:r>
           </a:p>
         </p:txBody>
@@ -4888,20 +4868,12 @@
           <a:p>
             <a:pPr algn="ctr"/>
             <a:r>
-              <a:rPr lang="en-US" sz="1600" dirty="0" err="1">
-                <a:solidFill>
-                  <a:schemeClr val="bg1"/>
-                </a:solidFill>
-              </a:rPr>
-              <a:t>result:Command</a:t>
-            </a:r>
-            <a:r>
               <a:rPr lang="en-US" sz="1600" dirty="0">
                 <a:solidFill>
                   <a:schemeClr val="bg1"/>
                 </a:solidFill>
               </a:rPr>
-              <a:t> Result</a:t>
+              <a:t>result:Command Result</a:t>
             </a:r>
             <a:endParaRPr lang="en-SG" sz="1600" dirty="0">
               <a:solidFill>
@@ -4954,7 +4926,7 @@
           <a:lstStyle/>
           <a:p>
             <a:pPr algn="ctr"/>
-            <a:endParaRPr lang="en-SG" sz="1400"/>
+            <a:endParaRPr lang="en-SG" sz="1400" dirty="0"/>
           </a:p>
         </p:txBody>
       </p:sp>
@@ -5044,8 +5016,8 @@
         </p:nvSpPr>
         <p:spPr>
           <a:xfrm>
-            <a:off x="4231981" y="2929839"/>
-            <a:ext cx="1778201" cy="432035"/>
+            <a:off x="4078468" y="2817003"/>
+            <a:ext cx="2168798" cy="420797"/>
           </a:xfrm>
           <a:prstGeom prst="rect">
             <a:avLst/>
@@ -5085,21 +5057,8 @@
                   <a:schemeClr val="bg1"/>
                 </a:solidFill>
               </a:rPr>
-              <a:t>:</a:t>
-            </a:r>
-            <a:r>
-              <a:rPr lang="en-US" sz="1600" dirty="0" err="1">
-                <a:solidFill>
-                  <a:schemeClr val="bg1"/>
-                </a:solidFill>
-              </a:rPr>
-              <a:t>DeleteCommand</a:t>
-            </a:r>
-            <a:endParaRPr lang="en-US" sz="1600" dirty="0">
-              <a:solidFill>
-                <a:schemeClr val="bg1"/>
-              </a:solidFill>
-            </a:endParaRPr>
+              <a:t>:DeleteTaskCommand</a:t>
+            </a:r>
           </a:p>
           <a:p>
             <a:pPr algn="ctr"/>
@@ -5161,8 +5120,8 @@
         </p:nvSpPr>
         <p:spPr>
           <a:xfrm>
-            <a:off x="5059947" y="3352800"/>
-            <a:ext cx="205843" cy="123165"/>
+            <a:off x="5059947" y="3215428"/>
+            <a:ext cx="232122" cy="260537"/>
           </a:xfrm>
           <a:prstGeom prst="rect">
             <a:avLst/>
@@ -5196,7 +5155,7 @@
           <a:lstStyle/>
           <a:p>
             <a:pPr algn="ctr"/>
-            <a:endParaRPr lang="en-SG" sz="1400"/>
+            <a:endParaRPr lang="en-SG" sz="1400" dirty="0"/>
           </a:p>
         </p:txBody>
       </p:sp>
@@ -5204,14 +5163,14 @@
         <p:nvCxnSpPr>
           <p:cNvPr id="46" name="Straight Connector 45"/>
           <p:cNvCxnSpPr>
-            <a:stCxn id="45" idx="0"/>
+            <a:cxnSpLocks/>
           </p:cNvCxnSpPr>
           <p:nvPr/>
         </p:nvCxnSpPr>
         <p:spPr>
           <a:xfrm>
-            <a:off x="5162869" y="3352800"/>
-            <a:ext cx="0" cy="990600"/>
+            <a:off x="5162867" y="3332199"/>
+            <a:ext cx="2" cy="1011201"/>
           </a:xfrm>
           <a:prstGeom prst="line">
             <a:avLst/>
@@ -5282,7 +5241,7 @@
           <a:lstStyle/>
           <a:p>
             <a:pPr algn="ctr"/>
-            <a:endParaRPr lang="en-SG" sz="1400"/>
+            <a:endParaRPr lang="en-SG" sz="1400" dirty="0"/>
           </a:p>
         </p:txBody>
       </p:sp>
@@ -5361,13 +5320,15 @@
       <p:cxnSp>
         <p:nvCxnSpPr>
           <p:cNvPr id="50" name="Straight Arrow Connector 49"/>
-          <p:cNvCxnSpPr/>
+          <p:cNvCxnSpPr>
+            <a:cxnSpLocks/>
+          </p:cNvCxnSpPr>
           <p:nvPr/>
         </p:nvCxnSpPr>
         <p:spPr>
           <a:xfrm>
             <a:off x="3412425" y="3173004"/>
-            <a:ext cx="819556" cy="1"/>
+            <a:ext cx="666043" cy="0"/>
           </a:xfrm>
           <a:prstGeom prst="straightConnector1">
             <a:avLst/>

--- a/docs/diagrams/LogicComponentSequenceDiagram.pptx
+++ b/docs/diagrams/LogicComponentSequenceDiagram.pptx
@@ -126,10 +126,6 @@
 </p:presentation>
 </file>
 
-<file path=ppt/revisionInfo.xml><?xml version="1.0" encoding="utf-8"?>
-<p1510:revInfo xmlns:a="http://schemas.openxmlformats.org/drawingml/2006/main" xmlns:r="http://schemas.openxmlformats.org/officeDocument/2006/relationships" xmlns:p1510="http://schemas.microsoft.com/office/powerpoint/2015/10/main"/>
-</file>
-
 <file path=ppt/notesMasters/notesMaster1.xml><?xml version="1.0" encoding="utf-8"?>
 <p:notesMaster xmlns:a="http://schemas.openxmlformats.org/drawingml/2006/main" xmlns:r="http://schemas.openxmlformats.org/officeDocument/2006/relationships" xmlns:p="http://schemas.openxmlformats.org/presentationml/2006/main">
   <p:cSld>
@@ -212,7 +208,7 @@
           <a:p>
             <a:fld id="{F5CC4B3F-88C1-4FFA-B1B6-F41C21DC6924}" type="datetimeFigureOut">
               <a:rPr lang="en-US" smtClean="0"/>
-              <a:t>9/28/2018</a:t>
+              <a:t>11/12/18</a:t>
             </a:fld>
             <a:endParaRPr lang="en-US"/>
           </a:p>
@@ -658,7 +654,7 @@
           <a:p>
             <a:fld id="{78C97017-6FC3-485B-9764-EAC9E56C1D49}" type="datetimeFigureOut">
               <a:rPr lang="en-US" smtClean="0"/>
-              <a:t>9/28/2018</a:t>
+              <a:t>11/12/18</a:t>
             </a:fld>
             <a:endParaRPr lang="en-US"/>
           </a:p>
@@ -826,7 +822,7 @@
           <a:p>
             <a:fld id="{78C97017-6FC3-485B-9764-EAC9E56C1D49}" type="datetimeFigureOut">
               <a:rPr lang="en-US" smtClean="0"/>
-              <a:t>9/28/2018</a:t>
+              <a:t>11/12/18</a:t>
             </a:fld>
             <a:endParaRPr lang="en-US"/>
           </a:p>
@@ -1004,7 +1000,7 @@
           <a:p>
             <a:fld id="{78C97017-6FC3-485B-9764-EAC9E56C1D49}" type="datetimeFigureOut">
               <a:rPr lang="en-US" smtClean="0"/>
-              <a:t>9/28/2018</a:t>
+              <a:t>11/12/18</a:t>
             </a:fld>
             <a:endParaRPr lang="en-US"/>
           </a:p>
@@ -1172,7 +1168,7 @@
           <a:p>
             <a:fld id="{78C97017-6FC3-485B-9764-EAC9E56C1D49}" type="datetimeFigureOut">
               <a:rPr lang="en-US" smtClean="0"/>
-              <a:t>9/28/2018</a:t>
+              <a:t>11/12/18</a:t>
             </a:fld>
             <a:endParaRPr lang="en-US"/>
           </a:p>
@@ -1417,7 +1413,7 @@
           <a:p>
             <a:fld id="{78C97017-6FC3-485B-9764-EAC9E56C1D49}" type="datetimeFigureOut">
               <a:rPr lang="en-US" smtClean="0"/>
-              <a:t>9/28/2018</a:t>
+              <a:t>11/12/18</a:t>
             </a:fld>
             <a:endParaRPr lang="en-US"/>
           </a:p>
@@ -1702,7 +1698,7 @@
           <a:p>
             <a:fld id="{78C97017-6FC3-485B-9764-EAC9E56C1D49}" type="datetimeFigureOut">
               <a:rPr lang="en-US" smtClean="0"/>
-              <a:t>9/28/2018</a:t>
+              <a:t>11/12/18</a:t>
             </a:fld>
             <a:endParaRPr lang="en-US"/>
           </a:p>
@@ -2121,7 +2117,7 @@
           <a:p>
             <a:fld id="{78C97017-6FC3-485B-9764-EAC9E56C1D49}" type="datetimeFigureOut">
               <a:rPr lang="en-US" smtClean="0"/>
-              <a:t>9/28/2018</a:t>
+              <a:t>11/12/18</a:t>
             </a:fld>
             <a:endParaRPr lang="en-US"/>
           </a:p>
@@ -2238,7 +2234,7 @@
           <a:p>
             <a:fld id="{78C97017-6FC3-485B-9764-EAC9E56C1D49}" type="datetimeFigureOut">
               <a:rPr lang="en-US" smtClean="0"/>
-              <a:t>9/28/2018</a:t>
+              <a:t>11/12/18</a:t>
             </a:fld>
             <a:endParaRPr lang="en-US"/>
           </a:p>
@@ -2333,7 +2329,7 @@
           <a:p>
             <a:fld id="{78C97017-6FC3-485B-9764-EAC9E56C1D49}" type="datetimeFigureOut">
               <a:rPr lang="en-US" smtClean="0"/>
-              <a:t>9/28/2018</a:t>
+              <a:t>11/12/18</a:t>
             </a:fld>
             <a:endParaRPr lang="en-US"/>
           </a:p>
@@ -2608,7 +2604,7 @@
           <a:p>
             <a:fld id="{78C97017-6FC3-485B-9764-EAC9E56C1D49}" type="datetimeFigureOut">
               <a:rPr lang="en-US" smtClean="0"/>
-              <a:t>9/28/2018</a:t>
+              <a:t>11/12/18</a:t>
             </a:fld>
             <a:endParaRPr lang="en-US"/>
           </a:p>
@@ -2860,7 +2856,7 @@
           <a:p>
             <a:fld id="{78C97017-6FC3-485B-9764-EAC9E56C1D49}" type="datetimeFigureOut">
               <a:rPr lang="en-US" smtClean="0"/>
-              <a:t>9/28/2018</a:t>
+              <a:t>11/12/18</a:t>
             </a:fld>
             <a:endParaRPr lang="en-US"/>
           </a:p>
@@ -3071,7 +3067,7 @@
           <a:p>
             <a:fld id="{78C97017-6FC3-485B-9764-EAC9E56C1D49}" type="datetimeFigureOut">
               <a:rPr lang="en-US" smtClean="0"/>
-              <a:t>9/28/2018</a:t>
+              <a:t>11/12/18</a:t>
             </a:fld>
             <a:endParaRPr lang="en-US"/>
           </a:p>
@@ -3707,18 +3703,15 @@
                   <a:schemeClr val="bg1"/>
                 </a:solidFill>
               </a:rPr>
-              <a:t>:Address</a:t>
-            </a:r>
-          </a:p>
-          <a:p>
-            <a:pPr algn="ctr"/>
+              <a:t>:</a:t>
+            </a:r>
             <a:r>
               <a:rPr lang="en-US" sz="1600" dirty="0" err="1">
                 <a:solidFill>
                   <a:schemeClr val="bg1"/>
                 </a:solidFill>
               </a:rPr>
-              <a:t>BookParser</a:t>
+              <a:t>ForumBookParser</a:t>
             </a:r>
             <a:endParaRPr lang="en-SG" sz="1600" dirty="0">
               <a:solidFill>
@@ -3860,29 +3853,29 @@
           <a:p>
             <a:pPr algn="ctr"/>
             <a:r>
-              <a:rPr lang="en-US" sz="1600" dirty="0">
+              <a:rPr lang="en-US" sz="1050" dirty="0" err="1">
                 <a:solidFill>
                   <a:schemeClr val="bg1"/>
                 </a:solidFill>
               </a:rPr>
-              <a:t>d:Delete</a:t>
+              <a:t>d:DeleteModule</a:t>
             </a:r>
             <a:br>
-              <a:rPr lang="en-US" sz="1600" dirty="0">
+              <a:rPr lang="en-US" sz="1050" dirty="0">
                 <a:solidFill>
                   <a:schemeClr val="bg1"/>
                 </a:solidFill>
               </a:rPr>
             </a:br>
             <a:r>
-              <a:rPr lang="en-US" sz="1600" dirty="0">
+              <a:rPr lang="en-US" sz="1050" dirty="0">
                 <a:solidFill>
                   <a:schemeClr val="bg1"/>
                 </a:solidFill>
               </a:rPr>
               <a:t>Command</a:t>
             </a:r>
-            <a:endParaRPr lang="en-SG" sz="1600" dirty="0">
+            <a:endParaRPr lang="en-SG" sz="1050" dirty="0">
               <a:solidFill>
                 <a:schemeClr val="bg1"/>
               </a:solidFill>
@@ -4057,7 +4050,7 @@
         <p:spPr>
           <a:xfrm>
             <a:off x="0" y="2819400"/>
-            <a:ext cx="1424846" cy="430887"/>
+            <a:ext cx="1424846" cy="646331"/>
           </a:xfrm>
           <a:prstGeom prst="rect">
             <a:avLst/>
@@ -4077,31 +4070,15 @@
                   <a:srgbClr val="0070C0"/>
                 </a:solidFill>
               </a:rPr>
-              <a:t>execute(“delete </a:t>
-            </a:r>
-            <a:r>
-              <a:rPr lang="en-US" sz="1400" dirty="0" smtClean="0">
+              <a:t>execute(“</a:t>
+            </a:r>
+            <a:r>
+              <a:rPr lang="en-US" sz="1400" dirty="0" err="1">
                 <a:solidFill>
                   <a:srgbClr val="0070C0"/>
                 </a:solidFill>
               </a:rPr>
-              <a:t>m/CS2113 </a:t>
-            </a:r>
-            <a:r>
-              <a:rPr lang="en-US" sz="1400" dirty="0" err="1" smtClean="0">
-                <a:solidFill>
-                  <a:srgbClr val="0070C0"/>
-                </a:solidFill>
-              </a:rPr>
-              <a:t>i</a:t>
-            </a:r>
-            <a:r>
-              <a:rPr lang="en-US" sz="1400" dirty="0" smtClean="0">
-                <a:solidFill>
-                  <a:srgbClr val="0070C0"/>
-                </a:solidFill>
-              </a:rPr>
-              <a:t>/1</a:t>
+              <a:t>deleteModule</a:t>
             </a:r>
             <a:r>
               <a:rPr lang="en-US" sz="1400" dirty="0">
@@ -4109,7 +4086,23 @@
                   <a:srgbClr val="0070C0"/>
                 </a:solidFill>
               </a:rPr>
-              <a:t>”)</a:t>
+              <a:t> </a:t>
+            </a:r>
+            <a:r>
+              <a:rPr lang="en-US" sz="1400" dirty="0" err="1">
+                <a:solidFill>
+                  <a:srgbClr val="0070C0"/>
+                </a:solidFill>
+              </a:rPr>
+              <a:t>mCode</a:t>
+            </a:r>
+            <a:r>
+              <a:rPr lang="en-US" sz="1400" dirty="0">
+                <a:solidFill>
+                  <a:srgbClr val="0070C0"/>
+                </a:solidFill>
+              </a:rPr>
+              <a:t>/CS2113”)</a:t>
             </a:r>
           </a:p>
         </p:txBody>
@@ -4672,8 +4665,8 @@
         </p:nvSpPr>
         <p:spPr>
           <a:xfrm>
-            <a:off x="6984957" y="4267200"/>
-            <a:ext cx="1424846" cy="215444"/>
+            <a:off x="6828046" y="4282200"/>
+            <a:ext cx="1768850" cy="215444"/>
           </a:xfrm>
           <a:prstGeom prst="rect">
             <a:avLst/>
@@ -4698,42 +4691,37 @@
           </a:lstStyle>
           <a:p>
             <a:r>
-              <a:rPr lang="en-US" dirty="0" err="1" smtClean="0">
+              <a:rPr lang="en-US" dirty="0" err="1">
                 <a:solidFill>
                   <a:srgbClr val="7030A0"/>
                 </a:solidFill>
               </a:rPr>
-              <a:t>deleteThread</a:t>
-            </a:r>
-            <a:r>
-              <a:rPr lang="en-US" dirty="0" smtClean="0">
+              <a:t>deleteModule</a:t>
+            </a:r>
+            <a:r>
+              <a:rPr lang="en-US" dirty="0">
                 <a:solidFill>
                   <a:srgbClr val="7030A0"/>
                 </a:solidFill>
               </a:rPr>
-              <a:t>(m, </a:t>
-            </a:r>
-            <a:r>
-              <a:rPr lang="en-US" dirty="0" err="1" smtClean="0">
+              <a:t>(</a:t>
+            </a:r>
+            <a:r>
+              <a:rPr lang="en-US" dirty="0" err="1">
                 <a:solidFill>
                   <a:srgbClr val="7030A0"/>
                 </a:solidFill>
               </a:rPr>
-              <a:t>i</a:t>
-            </a:r>
-            <a:r>
-              <a:rPr lang="en-US" dirty="0" smtClean="0">
+              <a:t>mCode</a:t>
+            </a:r>
+            <a:r>
+              <a:rPr lang="en-US" dirty="0">
                 <a:solidFill>
                   <a:srgbClr val="7030A0"/>
                 </a:solidFill>
               </a:rPr>
               <a:t>)</a:t>
             </a:r>
-            <a:endParaRPr lang="en-US" dirty="0">
-              <a:solidFill>
-                <a:srgbClr val="7030A0"/>
-              </a:solidFill>
-            </a:endParaRPr>
           </a:p>
         </p:txBody>
       </p:sp>
@@ -4772,23 +4760,15 @@
           <a:p>
             <a:r>
               <a:rPr lang="en-US" sz="1200" dirty="0"/>
-              <a:t>parse</a:t>
-            </a:r>
-            <a:r>
-              <a:rPr lang="en-US" sz="1200" dirty="0" smtClean="0"/>
-              <a:t>(“m/CS2113 </a:t>
-            </a:r>
-            <a:r>
-              <a:rPr lang="en-US" sz="1200" dirty="0" err="1" smtClean="0"/>
-              <a:t>i</a:t>
-            </a:r>
-            <a:r>
-              <a:rPr lang="en-US" sz="1200" dirty="0" smtClean="0"/>
-              <a:t>/1</a:t>
+              <a:t>parse(“</a:t>
+            </a:r>
+            <a:r>
+              <a:rPr lang="en-US" sz="1200" dirty="0" err="1"/>
+              <a:t>mCode</a:t>
             </a:r>
             <a:r>
               <a:rPr lang="en-US" sz="1200" dirty="0"/>
-              <a:t>”)</a:t>
+              <a:t>/CS2113”)</a:t>
             </a:r>
           </a:p>
         </p:txBody>
@@ -4828,29 +4808,24 @@
           <a:p>
             <a:r>
               <a:rPr lang="en-US" dirty="0"/>
-              <a:t>parse</a:t>
-            </a:r>
-            <a:r>
-              <a:rPr lang="en-US" dirty="0" smtClean="0"/>
-              <a:t>(“</a:t>
+              <a:t>parse(“</a:t>
+            </a:r>
+            <a:r>
+              <a:rPr lang="en-US" dirty="0" err="1"/>
+              <a:t>deleteModule</a:t>
             </a:r>
             <a:r>
               <a:rPr lang="en-US" dirty="0"/>
-              <a:t>delete m/CS2113 </a:t>
+              <a:t> </a:t>
             </a:r>
             <a:r>
               <a:rPr lang="en-US" dirty="0" err="1"/>
-              <a:t>i</a:t>
+              <a:t>mCode</a:t>
             </a:r>
             <a:r>
               <a:rPr lang="en-US" dirty="0"/>
-              <a:t>/1</a:t>
-            </a:r>
-            <a:r>
-              <a:rPr lang="en-US" dirty="0" smtClean="0"/>
-              <a:t>”)</a:t>
-            </a:r>
-            <a:endParaRPr lang="en-US" dirty="0"/>
+              <a:t>/CS2113”)</a:t>
+            </a:r>
           </a:p>
         </p:txBody>
       </p:sp>
@@ -5170,7 +5145,7 @@
           <a:p>
             <a:pPr algn="ctr"/>
             <a:r>
-              <a:rPr lang="en-US" sz="1600" dirty="0">
+              <a:rPr lang="en-US" sz="1200" dirty="0">
                 <a:solidFill>
                   <a:schemeClr val="bg1"/>
                 </a:solidFill>
@@ -5178,14 +5153,14 @@
               <a:t>:</a:t>
             </a:r>
             <a:r>
-              <a:rPr lang="en-US" sz="1600" dirty="0" err="1">
+              <a:rPr lang="en-US" sz="1200" dirty="0" err="1">
                 <a:solidFill>
                   <a:schemeClr val="bg1"/>
                 </a:solidFill>
               </a:rPr>
-              <a:t>DeleteCommand</a:t>
-            </a:r>
-            <a:endParaRPr lang="en-US" sz="1600" dirty="0">
+              <a:t>DeleteModuleCommand</a:t>
+            </a:r>
+            <a:endParaRPr lang="en-US" sz="1200" dirty="0">
               <a:solidFill>
                 <a:schemeClr val="bg1"/>
               </a:solidFill>
@@ -5194,14 +5169,14 @@
           <a:p>
             <a:pPr algn="ctr"/>
             <a:r>
-              <a:rPr lang="en-US" sz="1600" dirty="0">
+              <a:rPr lang="en-US" sz="1200" dirty="0">
                 <a:solidFill>
                   <a:schemeClr val="bg1"/>
                 </a:solidFill>
               </a:rPr>
               <a:t>Parser</a:t>
             </a:r>
-            <a:endParaRPr lang="en-SG" sz="1600" dirty="0">
+            <a:endParaRPr lang="en-SG" sz="1200" dirty="0">
               <a:solidFill>
                 <a:schemeClr val="bg1"/>
               </a:solidFill>
@@ -5565,13 +5540,6 @@
   <p:clrMapOvr>
     <a:masterClrMapping/>
   </p:clrMapOvr>
-  <p:timing>
-    <p:tnLst>
-      <p:par>
-        <p:cTn id="1" dur="indefinite" restart="never" nodeType="tmRoot"/>
-      </p:par>
-    </p:tnLst>
-  </p:timing>
 </p:sld>
 </file>
 

--- a/docs/diagrams/LogicComponentSequenceDiagram.pptx
+++ b/docs/diagrams/LogicComponentSequenceDiagram.pptx
@@ -10,7 +10,7 @@
   <p:sldIdLst>
     <p:sldId id="267" r:id="rId2"/>
   </p:sldIdLst>
-  <p:sldSz cx="9144000" cy="6858000" type="screen4x3"/>
+  <p:sldSz cx="10799763" cy="6858000"/>
   <p:notesSz cx="6858000" cy="9144000"/>
   <p:defaultTextStyle>
     <a:defPPr>
@@ -110,12 +110,12 @@
   <p:extLst>
     <p:ext uri="{EFAFB233-063F-42B5-8137-9DF3F51BA10A}">
       <p15:sldGuideLst xmlns:p15="http://schemas.microsoft.com/office/powerpoint/2012/main">
-        <p15:guide id="1" orient="horz" pos="1488">
+        <p15:guide id="1" orient="horz" pos="1488" userDrawn="1">
           <p15:clr>
             <a:srgbClr val="A4A3A4"/>
           </p15:clr>
         </p15:guide>
-        <p15:guide id="2" pos="2880">
+        <p15:guide id="2" pos="3402" userDrawn="1">
           <p15:clr>
             <a:srgbClr val="A4A3A4"/>
           </p15:clr>
@@ -124,10 +124,6 @@
     </p:ext>
   </p:extLst>
 </p:presentation>
-</file>
-
-<file path=ppt/revisionInfo.xml><?xml version="1.0" encoding="utf-8"?>
-<p1510:revInfo xmlns:a="http://schemas.openxmlformats.org/drawingml/2006/main" xmlns:r="http://schemas.openxmlformats.org/officeDocument/2006/relationships" xmlns:p1510="http://schemas.microsoft.com/office/powerpoint/2015/10/main"/>
 </file>
 
 <file path=ppt/notesMasters/notesMaster1.xml><?xml version="1.0" encoding="utf-8"?>
@@ -212,7 +208,7 @@
           <a:p>
             <a:fld id="{F5CC4B3F-88C1-4FFA-B1B6-F41C21DC6924}" type="datetimeFigureOut">
               <a:rPr lang="en-US" smtClean="0"/>
-              <a:t>7/11/2017</a:t>
+              <a:t>11/12/2018</a:t>
             </a:fld>
             <a:endParaRPr lang="en-US"/>
           </a:p>
@@ -230,8 +226,8 @@
         </p:nvSpPr>
         <p:spPr>
           <a:xfrm>
-            <a:off x="1143000" y="685800"/>
-            <a:ext cx="4572000" cy="3429000"/>
+            <a:off x="730250" y="685800"/>
+            <a:ext cx="5397500" cy="3429000"/>
           </a:xfrm>
           <a:prstGeom prst="rect">
             <a:avLst/>
@@ -508,8 +504,8 @@
         </p:nvSpPr>
         <p:spPr>
           <a:xfrm>
-            <a:off x="685800" y="2130425"/>
-            <a:ext cx="7772400" cy="1470025"/>
+            <a:off x="809982" y="2130426"/>
+            <a:ext cx="9179799" cy="1470025"/>
           </a:xfrm>
         </p:spPr>
         <p:txBody>
@@ -535,8 +531,8 @@
         </p:nvSpPr>
         <p:spPr>
           <a:xfrm>
-            <a:off x="1371600" y="3886200"/>
-            <a:ext cx="6400800" cy="1752600"/>
+            <a:off x="1619965" y="3886200"/>
+            <a:ext cx="7559834" cy="1752600"/>
           </a:xfrm>
         </p:spPr>
         <p:txBody>
@@ -658,7 +654,7 @@
           <a:p>
             <a:fld id="{78C97017-6FC3-485B-9764-EAC9E56C1D49}" type="datetimeFigureOut">
               <a:rPr lang="en-US" smtClean="0"/>
-              <a:t>7/11/2017</a:t>
+              <a:t>11/12/2018</a:t>
             </a:fld>
             <a:endParaRPr lang="en-US"/>
           </a:p>
@@ -826,7 +822,7 @@
           <a:p>
             <a:fld id="{78C97017-6FC3-485B-9764-EAC9E56C1D49}" type="datetimeFigureOut">
               <a:rPr lang="en-US" smtClean="0"/>
-              <a:t>7/11/2017</a:t>
+              <a:t>11/12/2018</a:t>
             </a:fld>
             <a:endParaRPr lang="en-US"/>
           </a:p>
@@ -916,8 +912,8 @@
         </p:nvSpPr>
         <p:spPr>
           <a:xfrm>
-            <a:off x="6629400" y="274638"/>
-            <a:ext cx="2057400" cy="5851525"/>
+            <a:off x="7829828" y="274639"/>
+            <a:ext cx="2429947" cy="5851525"/>
           </a:xfrm>
         </p:spPr>
         <p:txBody>
@@ -943,8 +939,8 @@
         </p:nvSpPr>
         <p:spPr>
           <a:xfrm>
-            <a:off x="457200" y="274638"/>
-            <a:ext cx="6019800" cy="5851525"/>
+            <a:off x="539988" y="274639"/>
+            <a:ext cx="7109844" cy="5851525"/>
           </a:xfrm>
         </p:spPr>
         <p:txBody>
@@ -1004,7 +1000,7 @@
           <a:p>
             <a:fld id="{78C97017-6FC3-485B-9764-EAC9E56C1D49}" type="datetimeFigureOut">
               <a:rPr lang="en-US" smtClean="0"/>
-              <a:t>7/11/2017</a:t>
+              <a:t>11/12/2018</a:t>
             </a:fld>
             <a:endParaRPr lang="en-US"/>
           </a:p>
@@ -1172,7 +1168,7 @@
           <a:p>
             <a:fld id="{78C97017-6FC3-485B-9764-EAC9E56C1D49}" type="datetimeFigureOut">
               <a:rPr lang="en-US" smtClean="0"/>
-              <a:t>7/11/2017</a:t>
+              <a:t>11/12/2018</a:t>
             </a:fld>
             <a:endParaRPr lang="en-US"/>
           </a:p>
@@ -1262,8 +1258,8 @@
         </p:nvSpPr>
         <p:spPr>
           <a:xfrm>
-            <a:off x="722313" y="4406900"/>
-            <a:ext cx="7772400" cy="1362075"/>
+            <a:off x="853107" y="4406901"/>
+            <a:ext cx="9179799" cy="1362075"/>
           </a:xfrm>
         </p:spPr>
         <p:txBody>
@@ -1293,8 +1289,8 @@
         </p:nvSpPr>
         <p:spPr>
           <a:xfrm>
-            <a:off x="722313" y="2906713"/>
-            <a:ext cx="7772400" cy="1500187"/>
+            <a:off x="853107" y="2906713"/>
+            <a:ext cx="9179799" cy="1500187"/>
           </a:xfrm>
         </p:spPr>
         <p:txBody>
@@ -1417,7 +1413,7 @@
           <a:p>
             <a:fld id="{78C97017-6FC3-485B-9764-EAC9E56C1D49}" type="datetimeFigureOut">
               <a:rPr lang="en-US" smtClean="0"/>
-              <a:t>7/11/2017</a:t>
+              <a:t>11/12/2018</a:t>
             </a:fld>
             <a:endParaRPr lang="en-US"/>
           </a:p>
@@ -1529,8 +1525,8 @@
         </p:nvSpPr>
         <p:spPr>
           <a:xfrm>
-            <a:off x="457200" y="1600200"/>
-            <a:ext cx="4038600" cy="4525963"/>
+            <a:off x="539988" y="1600201"/>
+            <a:ext cx="4769895" cy="4525963"/>
           </a:xfrm>
         </p:spPr>
         <p:txBody>
@@ -1613,8 +1609,8 @@
         </p:nvSpPr>
         <p:spPr>
           <a:xfrm>
-            <a:off x="4648200" y="1600200"/>
-            <a:ext cx="4038600" cy="4525963"/>
+            <a:off x="5489880" y="1600201"/>
+            <a:ext cx="4769895" cy="4525963"/>
           </a:xfrm>
         </p:spPr>
         <p:txBody>
@@ -1702,7 +1698,7 @@
           <a:p>
             <a:fld id="{78C97017-6FC3-485B-9764-EAC9E56C1D49}" type="datetimeFigureOut">
               <a:rPr lang="en-US" smtClean="0"/>
-              <a:t>7/11/2017</a:t>
+              <a:t>11/12/2018</a:t>
             </a:fld>
             <a:endParaRPr lang="en-US"/>
           </a:p>
@@ -1818,8 +1814,8 @@
         </p:nvSpPr>
         <p:spPr>
           <a:xfrm>
-            <a:off x="457200" y="1535113"/>
-            <a:ext cx="4040188" cy="639762"/>
+            <a:off x="539988" y="1535113"/>
+            <a:ext cx="4771771" cy="639762"/>
           </a:xfrm>
         </p:spPr>
         <p:txBody>
@@ -1883,8 +1879,8 @@
         </p:nvSpPr>
         <p:spPr>
           <a:xfrm>
-            <a:off x="457200" y="2174875"/>
-            <a:ext cx="4040188" cy="3951288"/>
+            <a:off x="539988" y="2174875"/>
+            <a:ext cx="4771771" cy="3951288"/>
           </a:xfrm>
         </p:spPr>
         <p:txBody>
@@ -1967,8 +1963,8 @@
         </p:nvSpPr>
         <p:spPr>
           <a:xfrm>
-            <a:off x="4645025" y="1535113"/>
-            <a:ext cx="4041775" cy="639762"/>
+            <a:off x="5486130" y="1535113"/>
+            <a:ext cx="4773645" cy="639762"/>
           </a:xfrm>
         </p:spPr>
         <p:txBody>
@@ -2032,8 +2028,8 @@
         </p:nvSpPr>
         <p:spPr>
           <a:xfrm>
-            <a:off x="4645025" y="2174875"/>
-            <a:ext cx="4041775" cy="3951288"/>
+            <a:off x="5486130" y="2174875"/>
+            <a:ext cx="4773645" cy="3951288"/>
           </a:xfrm>
         </p:spPr>
         <p:txBody>
@@ -2121,7 +2117,7 @@
           <a:p>
             <a:fld id="{78C97017-6FC3-485B-9764-EAC9E56C1D49}" type="datetimeFigureOut">
               <a:rPr lang="en-US" smtClean="0"/>
-              <a:t>7/11/2017</a:t>
+              <a:t>11/12/2018</a:t>
             </a:fld>
             <a:endParaRPr lang="en-US"/>
           </a:p>
@@ -2238,7 +2234,7 @@
           <a:p>
             <a:fld id="{78C97017-6FC3-485B-9764-EAC9E56C1D49}" type="datetimeFigureOut">
               <a:rPr lang="en-US" smtClean="0"/>
-              <a:t>7/11/2017</a:t>
+              <a:t>11/12/2018</a:t>
             </a:fld>
             <a:endParaRPr lang="en-US"/>
           </a:p>
@@ -2333,7 +2329,7 @@
           <a:p>
             <a:fld id="{78C97017-6FC3-485B-9764-EAC9E56C1D49}" type="datetimeFigureOut">
               <a:rPr lang="en-US" smtClean="0"/>
-              <a:t>7/11/2017</a:t>
+              <a:t>11/12/2018</a:t>
             </a:fld>
             <a:endParaRPr lang="en-US"/>
           </a:p>
@@ -2423,8 +2419,8 @@
         </p:nvSpPr>
         <p:spPr>
           <a:xfrm>
-            <a:off x="457200" y="273050"/>
-            <a:ext cx="3008313" cy="1162050"/>
+            <a:off x="539989" y="273050"/>
+            <a:ext cx="3553048" cy="1162050"/>
           </a:xfrm>
         </p:spPr>
         <p:txBody>
@@ -2454,8 +2450,8 @@
         </p:nvSpPr>
         <p:spPr>
           <a:xfrm>
-            <a:off x="3575050" y="273050"/>
-            <a:ext cx="5111750" cy="5853113"/>
+            <a:off x="4222407" y="273051"/>
+            <a:ext cx="6037368" cy="5853113"/>
           </a:xfrm>
         </p:spPr>
         <p:txBody>
@@ -2538,8 +2534,8 @@
         </p:nvSpPr>
         <p:spPr>
           <a:xfrm>
-            <a:off x="457200" y="1435100"/>
-            <a:ext cx="3008313" cy="4691063"/>
+            <a:off x="539989" y="1435101"/>
+            <a:ext cx="3553048" cy="4691063"/>
           </a:xfrm>
         </p:spPr>
         <p:txBody>
@@ -2608,7 +2604,7 @@
           <a:p>
             <a:fld id="{78C97017-6FC3-485B-9764-EAC9E56C1D49}" type="datetimeFigureOut">
               <a:rPr lang="en-US" smtClean="0"/>
-              <a:t>7/11/2017</a:t>
+              <a:t>11/12/2018</a:t>
             </a:fld>
             <a:endParaRPr lang="en-US"/>
           </a:p>
@@ -2698,8 +2694,8 @@
         </p:nvSpPr>
         <p:spPr>
           <a:xfrm>
-            <a:off x="1792288" y="4800600"/>
-            <a:ext cx="5486400" cy="566738"/>
+            <a:off x="2116829" y="4800600"/>
+            <a:ext cx="6479858" cy="566738"/>
           </a:xfrm>
         </p:spPr>
         <p:txBody>
@@ -2729,8 +2725,8 @@
         </p:nvSpPr>
         <p:spPr>
           <a:xfrm>
-            <a:off x="1792288" y="612775"/>
-            <a:ext cx="5486400" cy="4114800"/>
+            <a:off x="2116829" y="612775"/>
+            <a:ext cx="6479858" cy="4114800"/>
           </a:xfrm>
         </p:spPr>
         <p:txBody>
@@ -2790,8 +2786,8 @@
         </p:nvSpPr>
         <p:spPr>
           <a:xfrm>
-            <a:off x="1792288" y="5367338"/>
-            <a:ext cx="5486400" cy="804862"/>
+            <a:off x="2116829" y="5367338"/>
+            <a:ext cx="6479858" cy="804862"/>
           </a:xfrm>
         </p:spPr>
         <p:txBody>
@@ -2860,7 +2856,7 @@
           <a:p>
             <a:fld id="{78C97017-6FC3-485B-9764-EAC9E56C1D49}" type="datetimeFigureOut">
               <a:rPr lang="en-US" smtClean="0"/>
-              <a:t>7/11/2017</a:t>
+              <a:t>11/12/2018</a:t>
             </a:fld>
             <a:endParaRPr lang="en-US"/>
           </a:p>
@@ -2955,8 +2951,8 @@
         </p:nvSpPr>
         <p:spPr>
           <a:xfrm>
-            <a:off x="457200" y="274638"/>
-            <a:ext cx="8229600" cy="1143000"/>
+            <a:off x="539988" y="274638"/>
+            <a:ext cx="9719787" cy="1143000"/>
           </a:xfrm>
           <a:prstGeom prst="rect">
             <a:avLst/>
@@ -2987,8 +2983,8 @@
         </p:nvSpPr>
         <p:spPr>
           <a:xfrm>
-            <a:off x="457200" y="1600200"/>
-            <a:ext cx="8229600" cy="4525963"/>
+            <a:off x="539988" y="1600201"/>
+            <a:ext cx="9719787" cy="4525963"/>
           </a:xfrm>
           <a:prstGeom prst="rect">
             <a:avLst/>
@@ -3048,8 +3044,8 @@
         </p:nvSpPr>
         <p:spPr>
           <a:xfrm>
-            <a:off x="457200" y="6356350"/>
-            <a:ext cx="2133600" cy="365125"/>
+            <a:off x="539988" y="6356351"/>
+            <a:ext cx="2519945" cy="365125"/>
           </a:xfrm>
           <a:prstGeom prst="rect">
             <a:avLst/>
@@ -3071,7 +3067,7 @@
           <a:p>
             <a:fld id="{78C97017-6FC3-485B-9764-EAC9E56C1D49}" type="datetimeFigureOut">
               <a:rPr lang="en-US" smtClean="0"/>
-              <a:t>7/11/2017</a:t>
+              <a:t>11/12/2018</a:t>
             </a:fld>
             <a:endParaRPr lang="en-US"/>
           </a:p>
@@ -3089,8 +3085,8 @@
         </p:nvSpPr>
         <p:spPr>
           <a:xfrm>
-            <a:off x="3124200" y="6356350"/>
-            <a:ext cx="2895600" cy="365125"/>
+            <a:off x="3689919" y="6356351"/>
+            <a:ext cx="3419925" cy="365125"/>
           </a:xfrm>
           <a:prstGeom prst="rect">
             <a:avLst/>
@@ -3126,8 +3122,8 @@
         </p:nvSpPr>
         <p:spPr>
           <a:xfrm>
-            <a:off x="6553200" y="6356350"/>
-            <a:ext cx="2133600" cy="365125"/>
+            <a:off x="7739830" y="6356351"/>
+            <a:ext cx="2519945" cy="365125"/>
           </a:xfrm>
           <a:prstGeom prst="rect">
             <a:avLst/>
@@ -3454,8 +3450,8 @@
         </p:nvSpPr>
         <p:spPr>
           <a:xfrm>
-            <a:off x="685800" y="1981200"/>
-            <a:ext cx="7252956" cy="4000286"/>
+            <a:off x="1494948" y="1924158"/>
+            <a:ext cx="8991600" cy="4000286"/>
           </a:xfrm>
           <a:prstGeom prst="roundRect">
             <a:avLst>
@@ -3515,7 +3511,7 @@
         </p:nvSpPr>
         <p:spPr>
           <a:xfrm>
-            <a:off x="845045" y="2296546"/>
+            <a:off x="1672927" y="2296546"/>
             <a:ext cx="1455629" cy="346760"/>
           </a:xfrm>
           <a:prstGeom prst="rect">
@@ -3582,7 +3578,7 @@
         </p:nvCxnSpPr>
         <p:spPr>
           <a:xfrm>
-            <a:off x="1572859" y="2660217"/>
+            <a:off x="2400740" y="2660218"/>
             <a:ext cx="0" cy="2597583"/>
           </a:xfrm>
           <a:prstGeom prst="line">
@@ -3619,7 +3615,7 @@
         </p:nvSpPr>
         <p:spPr>
           <a:xfrm>
-            <a:off x="1500851" y="3010911"/>
+            <a:off x="2328732" y="3010912"/>
             <a:ext cx="152400" cy="2780287"/>
           </a:xfrm>
           <a:prstGeom prst="rect">
@@ -3666,7 +3662,7 @@
         </p:nvSpPr>
         <p:spPr>
           <a:xfrm>
-            <a:off x="2743200" y="2179309"/>
+            <a:off x="3571081" y="2179309"/>
             <a:ext cx="1219200" cy="467684"/>
           </a:xfrm>
           <a:prstGeom prst="rect">
@@ -3707,7 +3703,7 @@
                   <a:schemeClr val="bg1"/>
                 </a:solidFill>
               </a:rPr>
-              <a:t>:Address</a:t>
+              <a:t>:Recruit</a:t>
             </a:r>
           </a:p>
           <a:p>
@@ -3736,7 +3732,7 @@
         </p:nvCxnSpPr>
         <p:spPr>
           <a:xfrm>
-            <a:off x="3356599" y="2663904"/>
+            <a:off x="4184480" y="2663904"/>
             <a:ext cx="0" cy="1695374"/>
           </a:xfrm>
           <a:prstGeom prst="line">
@@ -3773,7 +3769,7 @@
         </p:nvSpPr>
         <p:spPr>
           <a:xfrm>
-            <a:off x="3284590" y="3122096"/>
+            <a:off x="4112472" y="3122097"/>
             <a:ext cx="174929" cy="1129459"/>
           </a:xfrm>
           <a:prstGeom prst="rect">
@@ -3808,11 +3804,7 @@
           <a:lstStyle/>
           <a:p>
             <a:pPr algn="ctr"/>
-            <a:endParaRPr lang="en-SG" sz="1400">
-              <a:solidFill>
-                <a:schemeClr val="dk1"/>
-              </a:solidFill>
-            </a:endParaRPr>
+            <a:endParaRPr lang="en-SG" sz="1400"/>
           </a:p>
         </p:txBody>
       </p:sp>
@@ -3824,8 +3816,8 @@
         </p:nvSpPr>
         <p:spPr>
           <a:xfrm>
-            <a:off x="6221565" y="3312740"/>
-            <a:ext cx="1093635" cy="461538"/>
+            <a:off x="7049446" y="3312740"/>
+            <a:ext cx="1766663" cy="461538"/>
           </a:xfrm>
           <a:prstGeom prst="rect">
             <a:avLst/>
@@ -3865,7 +3857,7 @@
                   <a:schemeClr val="bg1"/>
                 </a:solidFill>
               </a:rPr>
-              <a:t>d:Delete</a:t>
+              <a:t>d:DeleteCandidate</a:t>
             </a:r>
             <a:br>
               <a:rPr lang="en-US" sz="1600" dirty="0">
@@ -3894,14 +3886,15 @@
         <p:nvCxnSpPr>
           <p:cNvPr id="20" name="Straight Connector 19"/>
           <p:cNvCxnSpPr>
+            <a:cxnSpLocks/>
             <a:stCxn id="21" idx="0"/>
           </p:cNvCxnSpPr>
           <p:nvPr/>
         </p:nvCxnSpPr>
         <p:spPr>
           <a:xfrm>
-            <a:off x="6772574" y="3774278"/>
-            <a:ext cx="0" cy="1940722"/>
+            <a:off x="7942721" y="3746034"/>
+            <a:ext cx="2900" cy="1940721"/>
           </a:xfrm>
           <a:prstGeom prst="line">
             <a:avLst/>
@@ -3937,8 +3930,8 @@
         </p:nvSpPr>
         <p:spPr>
           <a:xfrm>
-            <a:off x="6696374" y="3774278"/>
-            <a:ext cx="152400" cy="276003"/>
+            <a:off x="7863621" y="3746034"/>
+            <a:ext cx="158200" cy="304247"/>
           </a:xfrm>
           <a:prstGeom prst="rect">
             <a:avLst/>
@@ -3984,7 +3977,7 @@
         </p:nvCxnSpPr>
         <p:spPr>
           <a:xfrm>
-            <a:off x="381000" y="3014599"/>
+            <a:off x="1208882" y="3014599"/>
             <a:ext cx="1119851" cy="0"/>
           </a:xfrm>
           <a:prstGeom prst="straightConnector1">
@@ -4020,7 +4013,7 @@
         </p:nvCxnSpPr>
         <p:spPr>
           <a:xfrm flipV="1">
-            <a:off x="1653251" y="3122097"/>
+            <a:off x="2481132" y="3122098"/>
             <a:ext cx="1596514" cy="1"/>
           </a:xfrm>
           <a:prstGeom prst="straightConnector1">
@@ -4056,8 +4049,8 @@
         </p:nvSpPr>
         <p:spPr>
           <a:xfrm>
-            <a:off x="0" y="2743200"/>
-            <a:ext cx="1424846" cy="215444"/>
+            <a:off x="827881" y="2743200"/>
+            <a:ext cx="1550332" cy="215444"/>
           </a:xfrm>
           <a:prstGeom prst="rect">
             <a:avLst/>
@@ -4077,7 +4070,23 @@
                   <a:srgbClr val="0070C0"/>
                 </a:solidFill>
               </a:rPr>
-              <a:t>execute(“delete 1”)</a:t>
+              <a:t>execute(“</a:t>
+            </a:r>
+            <a:r>
+              <a:rPr lang="en-US" sz="1400" dirty="0" err="1">
+                <a:solidFill>
+                  <a:srgbClr val="0070C0"/>
+                </a:solidFill>
+              </a:rPr>
+              <a:t>deletec</a:t>
+            </a:r>
+            <a:r>
+              <a:rPr lang="en-US" sz="1400" dirty="0">
+                <a:solidFill>
+                  <a:srgbClr val="0070C0"/>
+                </a:solidFill>
+              </a:rPr>
+              <a:t> 1”)</a:t>
             </a:r>
           </a:p>
         </p:txBody>
@@ -4090,7 +4099,7 @@
         </p:nvCxnSpPr>
         <p:spPr>
           <a:xfrm flipV="1">
-            <a:off x="5257218" y="3703214"/>
+            <a:off x="6085099" y="3703215"/>
             <a:ext cx="922392" cy="1"/>
           </a:xfrm>
           <a:prstGeom prst="straightConnector1">
@@ -4126,7 +4135,7 @@
         </p:nvSpPr>
         <p:spPr>
           <a:xfrm>
-            <a:off x="4257582" y="4251556"/>
+            <a:off x="5085464" y="4251556"/>
             <a:ext cx="855809" cy="215444"/>
           </a:xfrm>
           <a:prstGeom prst="rect">
@@ -4161,13 +4170,15 @@
       <p:cxnSp>
         <p:nvCxnSpPr>
           <p:cNvPr id="34" name="Straight Arrow Connector 33"/>
-          <p:cNvCxnSpPr/>
+          <p:cNvCxnSpPr>
+            <a:cxnSpLocks/>
+          </p:cNvCxnSpPr>
           <p:nvPr/>
         </p:nvCxnSpPr>
         <p:spPr>
           <a:xfrm>
-            <a:off x="5257800" y="4050281"/>
-            <a:ext cx="1492974" cy="0"/>
+            <a:off x="6085681" y="4050281"/>
+            <a:ext cx="1858018" cy="0"/>
           </a:xfrm>
           <a:prstGeom prst="straightConnector1">
             <a:avLst/>
@@ -4204,7 +4215,7 @@
         </p:nvCxnSpPr>
         <p:spPr>
           <a:xfrm flipV="1">
-            <a:off x="1670186" y="4243231"/>
+            <a:off x="2498067" y="4243231"/>
             <a:ext cx="1596514" cy="5378"/>
           </a:xfrm>
           <a:prstGeom prst="straightConnector1">
@@ -4242,7 +4253,7 @@
         </p:nvCxnSpPr>
         <p:spPr>
           <a:xfrm>
-            <a:off x="304800" y="5791200"/>
+            <a:off x="1132682" y="5791200"/>
             <a:ext cx="1196051" cy="0"/>
           </a:xfrm>
           <a:prstGeom prst="straightConnector1">
@@ -4280,7 +4291,7 @@
         </p:nvSpPr>
         <p:spPr>
           <a:xfrm>
-            <a:off x="8265896" y="2362200"/>
+            <a:off x="9329569" y="2342115"/>
             <a:ext cx="1030504" cy="346760"/>
           </a:xfrm>
           <a:prstGeom prst="rect">
@@ -4340,13 +4351,15 @@
       <p:cxnSp>
         <p:nvCxnSpPr>
           <p:cNvPr id="64" name="Straight Arrow Connector 63"/>
-          <p:cNvCxnSpPr/>
+          <p:cNvCxnSpPr>
+            <a:cxnSpLocks/>
+          </p:cNvCxnSpPr>
           <p:nvPr/>
         </p:nvCxnSpPr>
         <p:spPr>
-          <a:xfrm>
-            <a:off x="1653251" y="4495317"/>
-            <a:ext cx="5043123" cy="0"/>
+          <a:xfrm flipV="1">
+            <a:off x="2479841" y="4469802"/>
+            <a:ext cx="5352148" cy="15120"/>
           </a:xfrm>
           <a:prstGeom prst="straightConnector1">
             <a:avLst/>
@@ -4381,8 +4394,8 @@
         </p:nvSpPr>
         <p:spPr>
           <a:xfrm>
-            <a:off x="6687452" y="4467000"/>
-            <a:ext cx="161322" cy="1019400"/>
+            <a:off x="7854902" y="4455815"/>
+            <a:ext cx="170041" cy="1054979"/>
           </a:xfrm>
           <a:prstGeom prst="rect">
             <a:avLst/>
@@ -4423,13 +4436,16 @@
       <p:cxnSp>
         <p:nvCxnSpPr>
           <p:cNvPr id="71" name="Straight Connector 70"/>
-          <p:cNvCxnSpPr/>
+          <p:cNvCxnSpPr>
+            <a:cxnSpLocks/>
+            <a:stCxn id="39" idx="2"/>
+          </p:cNvCxnSpPr>
           <p:nvPr/>
         </p:nvCxnSpPr>
         <p:spPr>
           <a:xfrm>
-            <a:off x="8781148" y="2700858"/>
-            <a:ext cx="0" cy="2830598"/>
+            <a:off x="9844821" y="2688875"/>
+            <a:ext cx="0" cy="2849950"/>
           </a:xfrm>
           <a:prstGeom prst="line">
             <a:avLst/>
@@ -4468,7 +4484,7 @@
         </p:nvSpPr>
         <p:spPr>
           <a:xfrm>
-            <a:off x="8686800" y="4524597"/>
+            <a:off x="9774420" y="4624498"/>
             <a:ext cx="152400" cy="199803"/>
           </a:xfrm>
           <a:prstGeom prst="rect">
@@ -4509,11 +4525,7 @@
           <a:lstStyle/>
           <a:p>
             <a:pPr algn="ctr"/>
-            <a:endParaRPr lang="en-SG" sz="1400">
-              <a:solidFill>
-                <a:schemeClr val="dk1"/>
-              </a:solidFill>
-            </a:endParaRPr>
+            <a:endParaRPr lang="en-SG" sz="1400"/>
           </a:p>
         </p:txBody>
       </p:sp>
@@ -4525,7 +4537,7 @@
         </p:nvCxnSpPr>
         <p:spPr>
           <a:xfrm>
-            <a:off x="6850663" y="4524597"/>
+            <a:off x="7944282" y="4648200"/>
             <a:ext cx="1836137" cy="0"/>
           </a:xfrm>
           <a:prstGeom prst="straightConnector1">
@@ -4556,13 +4568,15 @@
       <p:cxnSp>
         <p:nvCxnSpPr>
           <p:cNvPr id="76" name="Straight Arrow Connector 75"/>
-          <p:cNvCxnSpPr/>
+          <p:cNvCxnSpPr>
+            <a:cxnSpLocks/>
+          </p:cNvCxnSpPr>
           <p:nvPr/>
         </p:nvCxnSpPr>
         <p:spPr>
-          <a:xfrm flipV="1">
-            <a:off x="6848774" y="4714650"/>
-            <a:ext cx="1838026" cy="9750"/>
+          <a:xfrm>
+            <a:off x="8020218" y="4802894"/>
+            <a:ext cx="1761887" cy="14009"/>
           </a:xfrm>
           <a:prstGeom prst="straightConnector1">
             <a:avLst/>
@@ -4597,13 +4611,15 @@
       <p:cxnSp>
         <p:nvCxnSpPr>
           <p:cNvPr id="77" name="Straight Arrow Connector 76"/>
-          <p:cNvCxnSpPr/>
+          <p:cNvCxnSpPr>
+            <a:cxnSpLocks/>
+          </p:cNvCxnSpPr>
           <p:nvPr/>
         </p:nvCxnSpPr>
         <p:spPr>
           <a:xfrm>
-            <a:off x="1653251" y="5486400"/>
-            <a:ext cx="5052349" cy="0"/>
+            <a:off x="2479841" y="5476661"/>
+            <a:ext cx="5363969" cy="33532"/>
           </a:xfrm>
           <a:prstGeom prst="straightConnector1">
             <a:avLst/>
@@ -4640,8 +4656,8 @@
         </p:nvSpPr>
         <p:spPr>
           <a:xfrm>
-            <a:off x="6984957" y="4267200"/>
-            <a:ext cx="1424846" cy="215444"/>
+            <a:off x="7943699" y="4420905"/>
+            <a:ext cx="1719989" cy="215444"/>
           </a:xfrm>
           <a:prstGeom prst="rect">
             <a:avLst/>
@@ -4671,7 +4687,7 @@
                   <a:srgbClr val="7030A0"/>
                 </a:solidFill>
               </a:rPr>
-              <a:t>deletePerson</a:t>
+              <a:t>deleteCandidaten</a:t>
             </a:r>
             <a:r>
               <a:rPr lang="en-US" dirty="0">
@@ -4679,7 +4695,7 @@
                   <a:srgbClr val="7030A0"/>
                 </a:solidFill>
               </a:rPr>
-              <a:t>(p)</a:t>
+              <a:t>(c)</a:t>
             </a:r>
           </a:p>
         </p:txBody>
@@ -4692,7 +4708,7 @@
         </p:nvSpPr>
         <p:spPr>
           <a:xfrm>
-            <a:off x="3847551" y="3657600"/>
+            <a:off x="4675433" y="3657600"/>
             <a:ext cx="767033" cy="184666"/>
           </a:xfrm>
           <a:prstGeom prst="rect">
@@ -4732,7 +4748,7 @@
         </p:nvSpPr>
         <p:spPr>
           <a:xfrm>
-            <a:off x="1742982" y="2850922"/>
+            <a:off x="2570863" y="2850922"/>
             <a:ext cx="1424846" cy="215444"/>
           </a:xfrm>
           <a:prstGeom prst="rect">
@@ -4759,7 +4775,15 @@
           <a:p>
             <a:r>
               <a:rPr lang="en-US" dirty="0"/>
-              <a:t>parse(“delete 1”)</a:t>
+              <a:t>parse(“</a:t>
+            </a:r>
+            <a:r>
+              <a:rPr lang="en-US" dirty="0" err="1"/>
+              <a:t>deletec</a:t>
+            </a:r>
+            <a:r>
+              <a:rPr lang="en-US" dirty="0"/>
+              <a:t> 1”)</a:t>
             </a:r>
           </a:p>
         </p:txBody>
@@ -4772,7 +4796,7 @@
         </p:nvSpPr>
         <p:spPr>
           <a:xfrm>
-            <a:off x="4340137" y="5255323"/>
+            <a:off x="5168018" y="5255323"/>
             <a:ext cx="621216" cy="215444"/>
           </a:xfrm>
           <a:prstGeom prst="rect">
@@ -4812,7 +4836,7 @@
         </p:nvSpPr>
         <p:spPr>
           <a:xfrm>
-            <a:off x="599983" y="5538488"/>
+            <a:off x="1427864" y="5538488"/>
             <a:ext cx="762000" cy="215444"/>
           </a:xfrm>
           <a:prstGeom prst="rect">
@@ -4852,7 +4876,7 @@
         </p:nvSpPr>
         <p:spPr>
           <a:xfrm>
-            <a:off x="7020246" y="4777286"/>
+            <a:off x="8179871" y="4920145"/>
             <a:ext cx="1590354" cy="461538"/>
           </a:xfrm>
           <a:prstGeom prst="rect">
@@ -4919,7 +4943,7 @@
         </p:nvSpPr>
         <p:spPr>
           <a:xfrm>
-            <a:off x="7777323" y="5238824"/>
+            <a:off x="8901255" y="5343823"/>
             <a:ext cx="152400" cy="171376"/>
           </a:xfrm>
           <a:prstGeom prst="rect">
@@ -4961,13 +4985,15 @@
       <p:cxnSp>
         <p:nvCxnSpPr>
           <p:cNvPr id="90" name="Straight Arrow Connector 89"/>
-          <p:cNvCxnSpPr/>
+          <p:cNvCxnSpPr>
+            <a:cxnSpLocks/>
+          </p:cNvCxnSpPr>
           <p:nvPr/>
         </p:nvCxnSpPr>
         <p:spPr>
           <a:xfrm>
-            <a:off x="6858000" y="5410200"/>
-            <a:ext cx="966624" cy="0"/>
+            <a:off x="8012549" y="5498934"/>
+            <a:ext cx="869595" cy="7374"/>
           </a:xfrm>
           <a:prstGeom prst="straightConnector1">
             <a:avLst/>
@@ -5004,7 +5030,7 @@
         </p:nvSpPr>
         <p:spPr>
           <a:xfrm>
-            <a:off x="2673845" y="4027787"/>
+            <a:off x="3501727" y="4027787"/>
             <a:ext cx="220343" cy="215444"/>
           </a:xfrm>
           <a:prstGeom prst="rect">
@@ -5044,8 +5070,8 @@
         </p:nvSpPr>
         <p:spPr>
           <a:xfrm>
-            <a:off x="4231981" y="2929839"/>
-            <a:ext cx="1778201" cy="432035"/>
+            <a:off x="5059863" y="2577212"/>
+            <a:ext cx="1662444" cy="784663"/>
           </a:xfrm>
           <a:prstGeom prst="rect">
             <a:avLst/>
@@ -5093,7 +5119,7 @@
                   <a:schemeClr val="bg1"/>
                 </a:solidFill>
               </a:rPr>
-              <a:t>DeleteCommand</a:t>
+              <a:t>DeleteCandidateCommand</a:t>
             </a:r>
             <a:endParaRPr lang="en-US" sz="1600" dirty="0">
               <a:solidFill>
@@ -5127,7 +5153,7 @@
         </p:nvCxnSpPr>
         <p:spPr>
           <a:xfrm>
-            <a:off x="3462591" y="3657600"/>
+            <a:off x="4290472" y="3657601"/>
             <a:ext cx="1597356" cy="1"/>
           </a:xfrm>
           <a:prstGeom prst="straightConnector1">
@@ -5161,7 +5187,7 @@
         </p:nvSpPr>
         <p:spPr>
           <a:xfrm>
-            <a:off x="5059947" y="3352800"/>
+            <a:off x="5887829" y="3352801"/>
             <a:ext cx="205843" cy="123165"/>
           </a:xfrm>
           <a:prstGeom prst="rect">
@@ -5210,7 +5236,7 @@
         </p:nvCxnSpPr>
         <p:spPr>
           <a:xfrm>
-            <a:off x="5162869" y="3352800"/>
+            <a:off x="5990750" y="3352800"/>
             <a:ext cx="0" cy="990600"/>
           </a:xfrm>
           <a:prstGeom prst="line">
@@ -5247,7 +5273,7 @@
         </p:nvSpPr>
         <p:spPr>
           <a:xfrm>
-            <a:off x="5059947" y="3657601"/>
+            <a:off x="5887829" y="3657601"/>
             <a:ext cx="205843" cy="533400"/>
           </a:xfrm>
           <a:prstGeom prst="rect">
@@ -5289,13 +5315,15 @@
       <p:cxnSp>
         <p:nvCxnSpPr>
           <p:cNvPr id="51" name="Straight Arrow Connector 50"/>
-          <p:cNvCxnSpPr/>
+          <p:cNvCxnSpPr>
+            <a:cxnSpLocks/>
+          </p:cNvCxnSpPr>
           <p:nvPr/>
         </p:nvCxnSpPr>
         <p:spPr>
           <a:xfrm>
-            <a:off x="3499382" y="4185073"/>
-            <a:ext cx="1667219" cy="0"/>
+            <a:off x="4287400" y="4182026"/>
+            <a:ext cx="1703350" cy="0"/>
           </a:xfrm>
           <a:prstGeom prst="straightConnector1">
             <a:avLst/>
@@ -5327,13 +5355,15 @@
       <p:cxnSp>
         <p:nvCxnSpPr>
           <p:cNvPr id="13" name="Straight Arrow Connector 12"/>
-          <p:cNvCxnSpPr/>
+          <p:cNvCxnSpPr>
+            <a:cxnSpLocks/>
+          </p:cNvCxnSpPr>
           <p:nvPr/>
         </p:nvCxnSpPr>
         <p:spPr>
           <a:xfrm>
-            <a:off x="6858000" y="5029200"/>
-            <a:ext cx="162246" cy="0"/>
+            <a:off x="8036035" y="5039021"/>
+            <a:ext cx="152998" cy="0"/>
           </a:xfrm>
           <a:prstGeom prst="straightConnector1">
             <a:avLst/>
@@ -5366,7 +5396,7 @@
         </p:nvCxnSpPr>
         <p:spPr>
           <a:xfrm>
-            <a:off x="3412425" y="3173004"/>
+            <a:off x="4240306" y="3173005"/>
             <a:ext cx="819556" cy="1"/>
           </a:xfrm>
           <a:prstGeom prst="straightConnector1">
@@ -5402,7 +5432,7 @@
         </p:nvCxnSpPr>
         <p:spPr>
           <a:xfrm>
-            <a:off x="3459519" y="3475965"/>
+            <a:off x="4287400" y="3475965"/>
             <a:ext cx="1600428" cy="0"/>
           </a:xfrm>
           <a:prstGeom prst="straightConnector1">
@@ -5440,7 +5470,7 @@
         </p:nvSpPr>
         <p:spPr>
           <a:xfrm>
-            <a:off x="5033665" y="4199590"/>
+            <a:off x="5861546" y="4199590"/>
             <a:ext cx="258404" cy="261610"/>
           </a:xfrm>
           <a:prstGeom prst="rect">
